--- a/document/요구사항 명세서.pptx
+++ b/document/요구사항 명세서.pptx
@@ -110,6 +110,22 @@
       </a:defRPr>
     </a:lvl9pPr>
   </p:defaultTextStyle>
+  <p:extLst>
+    <p:ext uri="{EFAFB233-063F-42B5-8137-9DF3F51BA10A}">
+      <p15:sldGuideLst xmlns:p15="http://schemas.microsoft.com/office/powerpoint/2012/main">
+        <p15:guide id="1" orient="horz" pos="2160">
+          <p15:clr>
+            <a:srgbClr val="A4A3A4"/>
+          </p15:clr>
+        </p15:guide>
+        <p15:guide id="2" pos="2880">
+          <p15:clr>
+            <a:srgbClr val="A4A3A4"/>
+          </p15:clr>
+        </p15:guide>
+      </p15:sldGuideLst>
+    </p:ext>
+  </p:extLst>
 </p:presentation>
 </file>
 
@@ -151,10 +167,9 @@
           <a:lstStyle/>
           <a:p>
             <a:r>
-              <a:rPr lang="ko-KR" altLang="en-US" smtClean="0"/>
+              <a:rPr lang="ko-KR" altLang="en-US"/>
               <a:t>마스터 제목 스타일 편집</a:t>
             </a:r>
-            <a:endParaRPr lang="ko-KR" altLang="en-US"/>
           </a:p>
         </p:txBody>
       </p:sp>
@@ -270,10 +285,9 @@
           </a:lstStyle>
           <a:p>
             <a:r>
-              <a:rPr lang="ko-KR" altLang="en-US" smtClean="0"/>
+              <a:rPr lang="ko-KR" altLang="en-US"/>
               <a:t>마스터 부제목 스타일 편집</a:t>
             </a:r>
-            <a:endParaRPr lang="ko-KR" altLang="en-US"/>
           </a:p>
         </p:txBody>
       </p:sp>
@@ -294,7 +308,7 @@
           <a:p>
             <a:fld id="{225B4899-1595-4BDA-80BF-2EE757760D0D}" type="datetimeFigureOut">
               <a:rPr lang="ko-KR" altLang="en-US" smtClean="0"/>
-              <a:t>2022-11-28</a:t>
+              <a:t>2022-11-29</a:t>
             </a:fld>
             <a:endParaRPr lang="ko-KR" altLang="en-US"/>
           </a:p>
@@ -388,10 +402,9 @@
           <a:lstStyle/>
           <a:p>
             <a:r>
-              <a:rPr lang="ko-KR" altLang="en-US" smtClean="0"/>
+              <a:rPr lang="ko-KR" altLang="en-US"/>
               <a:t>마스터 제목 스타일 편집</a:t>
             </a:r>
-            <a:endParaRPr lang="ko-KR" altLang="en-US"/>
           </a:p>
         </p:txBody>
       </p:sp>
@@ -412,38 +425,37 @@
           <a:p>
             <a:pPr lvl="0"/>
             <a:r>
-              <a:rPr lang="ko-KR" altLang="en-US" smtClean="0"/>
+              <a:rPr lang="ko-KR" altLang="en-US"/>
               <a:t>마스터 텍스트 스타일을 편집합니다</a:t>
             </a:r>
           </a:p>
           <a:p>
             <a:pPr lvl="1"/>
             <a:r>
-              <a:rPr lang="ko-KR" altLang="en-US" smtClean="0"/>
+              <a:rPr lang="ko-KR" altLang="en-US"/>
               <a:t>둘째 수준</a:t>
             </a:r>
           </a:p>
           <a:p>
             <a:pPr lvl="2"/>
             <a:r>
-              <a:rPr lang="ko-KR" altLang="en-US" smtClean="0"/>
+              <a:rPr lang="ko-KR" altLang="en-US"/>
               <a:t>셋째 수준</a:t>
             </a:r>
           </a:p>
           <a:p>
             <a:pPr lvl="3"/>
             <a:r>
-              <a:rPr lang="ko-KR" altLang="en-US" smtClean="0"/>
+              <a:rPr lang="ko-KR" altLang="en-US"/>
               <a:t>넷째 수준</a:t>
             </a:r>
           </a:p>
           <a:p>
             <a:pPr lvl="4"/>
             <a:r>
-              <a:rPr lang="ko-KR" altLang="en-US" smtClean="0"/>
+              <a:rPr lang="ko-KR" altLang="en-US"/>
               <a:t>다섯째 수준</a:t>
             </a:r>
-            <a:endParaRPr lang="ko-KR" altLang="en-US"/>
           </a:p>
         </p:txBody>
       </p:sp>
@@ -464,7 +476,7 @@
           <a:p>
             <a:fld id="{225B4899-1595-4BDA-80BF-2EE757760D0D}" type="datetimeFigureOut">
               <a:rPr lang="ko-KR" altLang="en-US" smtClean="0"/>
-              <a:t>2022-11-28</a:t>
+              <a:t>2022-11-29</a:t>
             </a:fld>
             <a:endParaRPr lang="ko-KR" altLang="en-US"/>
           </a:p>
@@ -563,10 +575,9 @@
           <a:lstStyle/>
           <a:p>
             <a:r>
-              <a:rPr lang="ko-KR" altLang="en-US" smtClean="0"/>
+              <a:rPr lang="ko-KR" altLang="en-US"/>
               <a:t>마스터 제목 스타일 편집</a:t>
             </a:r>
-            <a:endParaRPr lang="ko-KR" altLang="en-US"/>
           </a:p>
         </p:txBody>
       </p:sp>
@@ -592,38 +603,37 @@
           <a:p>
             <a:pPr lvl="0"/>
             <a:r>
-              <a:rPr lang="ko-KR" altLang="en-US" smtClean="0"/>
+              <a:rPr lang="ko-KR" altLang="en-US"/>
               <a:t>마스터 텍스트 스타일을 편집합니다</a:t>
             </a:r>
           </a:p>
           <a:p>
             <a:pPr lvl="1"/>
             <a:r>
-              <a:rPr lang="ko-KR" altLang="en-US" smtClean="0"/>
+              <a:rPr lang="ko-KR" altLang="en-US"/>
               <a:t>둘째 수준</a:t>
             </a:r>
           </a:p>
           <a:p>
             <a:pPr lvl="2"/>
             <a:r>
-              <a:rPr lang="ko-KR" altLang="en-US" smtClean="0"/>
+              <a:rPr lang="ko-KR" altLang="en-US"/>
               <a:t>셋째 수준</a:t>
             </a:r>
           </a:p>
           <a:p>
             <a:pPr lvl="3"/>
             <a:r>
-              <a:rPr lang="ko-KR" altLang="en-US" smtClean="0"/>
+              <a:rPr lang="ko-KR" altLang="en-US"/>
               <a:t>넷째 수준</a:t>
             </a:r>
           </a:p>
           <a:p>
             <a:pPr lvl="4"/>
             <a:r>
-              <a:rPr lang="ko-KR" altLang="en-US" smtClean="0"/>
+              <a:rPr lang="ko-KR" altLang="en-US"/>
               <a:t>다섯째 수준</a:t>
             </a:r>
-            <a:endParaRPr lang="ko-KR" altLang="en-US"/>
           </a:p>
         </p:txBody>
       </p:sp>
@@ -644,7 +654,7 @@
           <a:p>
             <a:fld id="{225B4899-1595-4BDA-80BF-2EE757760D0D}" type="datetimeFigureOut">
               <a:rPr lang="ko-KR" altLang="en-US" smtClean="0"/>
-              <a:t>2022-11-28</a:t>
+              <a:t>2022-11-29</a:t>
             </a:fld>
             <a:endParaRPr lang="ko-KR" altLang="en-US"/>
           </a:p>
@@ -738,10 +748,9 @@
           <a:lstStyle/>
           <a:p>
             <a:r>
-              <a:rPr lang="ko-KR" altLang="en-US" smtClean="0"/>
+              <a:rPr lang="ko-KR" altLang="en-US"/>
               <a:t>마스터 제목 스타일 편집</a:t>
             </a:r>
-            <a:endParaRPr lang="ko-KR" altLang="en-US"/>
           </a:p>
         </p:txBody>
       </p:sp>
@@ -762,38 +771,37 @@
           <a:p>
             <a:pPr lvl="0"/>
             <a:r>
-              <a:rPr lang="ko-KR" altLang="en-US" smtClean="0"/>
+              <a:rPr lang="ko-KR" altLang="en-US"/>
               <a:t>마스터 텍스트 스타일을 편집합니다</a:t>
             </a:r>
           </a:p>
           <a:p>
             <a:pPr lvl="1"/>
             <a:r>
-              <a:rPr lang="ko-KR" altLang="en-US" smtClean="0"/>
+              <a:rPr lang="ko-KR" altLang="en-US"/>
               <a:t>둘째 수준</a:t>
             </a:r>
           </a:p>
           <a:p>
             <a:pPr lvl="2"/>
             <a:r>
-              <a:rPr lang="ko-KR" altLang="en-US" smtClean="0"/>
+              <a:rPr lang="ko-KR" altLang="en-US"/>
               <a:t>셋째 수준</a:t>
             </a:r>
           </a:p>
           <a:p>
             <a:pPr lvl="3"/>
             <a:r>
-              <a:rPr lang="ko-KR" altLang="en-US" smtClean="0"/>
+              <a:rPr lang="ko-KR" altLang="en-US"/>
               <a:t>넷째 수준</a:t>
             </a:r>
           </a:p>
           <a:p>
             <a:pPr lvl="4"/>
             <a:r>
-              <a:rPr lang="ko-KR" altLang="en-US" smtClean="0"/>
+              <a:rPr lang="ko-KR" altLang="en-US"/>
               <a:t>다섯째 수준</a:t>
             </a:r>
-            <a:endParaRPr lang="ko-KR" altLang="en-US"/>
           </a:p>
         </p:txBody>
       </p:sp>
@@ -814,7 +822,7 @@
           <a:p>
             <a:fld id="{225B4899-1595-4BDA-80BF-2EE757760D0D}" type="datetimeFigureOut">
               <a:rPr lang="ko-KR" altLang="en-US" smtClean="0"/>
-              <a:t>2022-11-28</a:t>
+              <a:t>2022-11-29</a:t>
             </a:fld>
             <a:endParaRPr lang="ko-KR" altLang="en-US"/>
           </a:p>
@@ -917,10 +925,9 @@
           </a:lstStyle>
           <a:p>
             <a:r>
-              <a:rPr lang="ko-KR" altLang="en-US" smtClean="0"/>
+              <a:rPr lang="ko-KR" altLang="en-US"/>
               <a:t>마스터 제목 스타일 편집</a:t>
             </a:r>
-            <a:endParaRPr lang="ko-KR" altLang="en-US"/>
           </a:p>
         </p:txBody>
       </p:sp>
@@ -1037,7 +1044,7 @@
           <a:p>
             <a:pPr lvl="0"/>
             <a:r>
-              <a:rPr lang="ko-KR" altLang="en-US" smtClean="0"/>
+              <a:rPr lang="ko-KR" altLang="en-US"/>
               <a:t>마스터 텍스트 스타일을 편집합니다</a:t>
             </a:r>
           </a:p>
@@ -1060,7 +1067,7 @@
           <a:p>
             <a:fld id="{225B4899-1595-4BDA-80BF-2EE757760D0D}" type="datetimeFigureOut">
               <a:rPr lang="ko-KR" altLang="en-US" smtClean="0"/>
-              <a:t>2022-11-28</a:t>
+              <a:t>2022-11-29</a:t>
             </a:fld>
             <a:endParaRPr lang="ko-KR" altLang="en-US"/>
           </a:p>
@@ -1154,10 +1161,9 @@
           <a:lstStyle/>
           <a:p>
             <a:r>
-              <a:rPr lang="ko-KR" altLang="en-US" smtClean="0"/>
+              <a:rPr lang="ko-KR" altLang="en-US"/>
               <a:t>마스터 제목 스타일 편집</a:t>
             </a:r>
-            <a:endParaRPr lang="ko-KR" altLang="en-US"/>
           </a:p>
         </p:txBody>
       </p:sp>
@@ -1211,38 +1217,37 @@
           <a:p>
             <a:pPr lvl="0"/>
             <a:r>
-              <a:rPr lang="ko-KR" altLang="en-US" smtClean="0"/>
+              <a:rPr lang="ko-KR" altLang="en-US"/>
               <a:t>마스터 텍스트 스타일을 편집합니다</a:t>
             </a:r>
           </a:p>
           <a:p>
             <a:pPr lvl="1"/>
             <a:r>
-              <a:rPr lang="ko-KR" altLang="en-US" smtClean="0"/>
+              <a:rPr lang="ko-KR" altLang="en-US"/>
               <a:t>둘째 수준</a:t>
             </a:r>
           </a:p>
           <a:p>
             <a:pPr lvl="2"/>
             <a:r>
-              <a:rPr lang="ko-KR" altLang="en-US" smtClean="0"/>
+              <a:rPr lang="ko-KR" altLang="en-US"/>
               <a:t>셋째 수준</a:t>
             </a:r>
           </a:p>
           <a:p>
             <a:pPr lvl="3"/>
             <a:r>
-              <a:rPr lang="ko-KR" altLang="en-US" smtClean="0"/>
+              <a:rPr lang="ko-KR" altLang="en-US"/>
               <a:t>넷째 수준</a:t>
             </a:r>
           </a:p>
           <a:p>
             <a:pPr lvl="4"/>
             <a:r>
-              <a:rPr lang="ko-KR" altLang="en-US" smtClean="0"/>
+              <a:rPr lang="ko-KR" altLang="en-US"/>
               <a:t>다섯째 수준</a:t>
             </a:r>
-            <a:endParaRPr lang="ko-KR" altLang="en-US"/>
           </a:p>
         </p:txBody>
       </p:sp>
@@ -1296,38 +1301,37 @@
           <a:p>
             <a:pPr lvl="0"/>
             <a:r>
-              <a:rPr lang="ko-KR" altLang="en-US" smtClean="0"/>
+              <a:rPr lang="ko-KR" altLang="en-US"/>
               <a:t>마스터 텍스트 스타일을 편집합니다</a:t>
             </a:r>
           </a:p>
           <a:p>
             <a:pPr lvl="1"/>
             <a:r>
-              <a:rPr lang="ko-KR" altLang="en-US" smtClean="0"/>
+              <a:rPr lang="ko-KR" altLang="en-US"/>
               <a:t>둘째 수준</a:t>
             </a:r>
           </a:p>
           <a:p>
             <a:pPr lvl="2"/>
             <a:r>
-              <a:rPr lang="ko-KR" altLang="en-US" smtClean="0"/>
+              <a:rPr lang="ko-KR" altLang="en-US"/>
               <a:t>셋째 수준</a:t>
             </a:r>
           </a:p>
           <a:p>
             <a:pPr lvl="3"/>
             <a:r>
-              <a:rPr lang="ko-KR" altLang="en-US" smtClean="0"/>
+              <a:rPr lang="ko-KR" altLang="en-US"/>
               <a:t>넷째 수준</a:t>
             </a:r>
           </a:p>
           <a:p>
             <a:pPr lvl="4"/>
             <a:r>
-              <a:rPr lang="ko-KR" altLang="en-US" smtClean="0"/>
+              <a:rPr lang="ko-KR" altLang="en-US"/>
               <a:t>다섯째 수준</a:t>
             </a:r>
-            <a:endParaRPr lang="ko-KR" altLang="en-US"/>
           </a:p>
         </p:txBody>
       </p:sp>
@@ -1348,7 +1352,7 @@
           <a:p>
             <a:fld id="{225B4899-1595-4BDA-80BF-2EE757760D0D}" type="datetimeFigureOut">
               <a:rPr lang="ko-KR" altLang="en-US" smtClean="0"/>
-              <a:t>2022-11-28</a:t>
+              <a:t>2022-11-29</a:t>
             </a:fld>
             <a:endParaRPr lang="ko-KR" altLang="en-US"/>
           </a:p>
@@ -1446,10 +1450,9 @@
           </a:lstStyle>
           <a:p>
             <a:r>
-              <a:rPr lang="ko-KR" altLang="en-US" smtClean="0"/>
+              <a:rPr lang="ko-KR" altLang="en-US"/>
               <a:t>마스터 제목 스타일 편집</a:t>
             </a:r>
-            <a:endParaRPr lang="ko-KR" altLang="en-US"/>
           </a:p>
         </p:txBody>
       </p:sp>
@@ -1512,7 +1515,7 @@
           <a:p>
             <a:pPr lvl="0"/>
             <a:r>
-              <a:rPr lang="ko-KR" altLang="en-US" smtClean="0"/>
+              <a:rPr lang="ko-KR" altLang="en-US"/>
               <a:t>마스터 텍스트 스타일을 편집합니다</a:t>
             </a:r>
           </a:p>
@@ -1568,38 +1571,37 @@
           <a:p>
             <a:pPr lvl="0"/>
             <a:r>
-              <a:rPr lang="ko-KR" altLang="en-US" smtClean="0"/>
+              <a:rPr lang="ko-KR" altLang="en-US"/>
               <a:t>마스터 텍스트 스타일을 편집합니다</a:t>
             </a:r>
           </a:p>
           <a:p>
             <a:pPr lvl="1"/>
             <a:r>
-              <a:rPr lang="ko-KR" altLang="en-US" smtClean="0"/>
+              <a:rPr lang="ko-KR" altLang="en-US"/>
               <a:t>둘째 수준</a:t>
             </a:r>
           </a:p>
           <a:p>
             <a:pPr lvl="2"/>
             <a:r>
-              <a:rPr lang="ko-KR" altLang="en-US" smtClean="0"/>
+              <a:rPr lang="ko-KR" altLang="en-US"/>
               <a:t>셋째 수준</a:t>
             </a:r>
           </a:p>
           <a:p>
             <a:pPr lvl="3"/>
             <a:r>
-              <a:rPr lang="ko-KR" altLang="en-US" smtClean="0"/>
+              <a:rPr lang="ko-KR" altLang="en-US"/>
               <a:t>넷째 수준</a:t>
             </a:r>
           </a:p>
           <a:p>
             <a:pPr lvl="4"/>
             <a:r>
-              <a:rPr lang="ko-KR" altLang="en-US" smtClean="0"/>
+              <a:rPr lang="ko-KR" altLang="en-US"/>
               <a:t>다섯째 수준</a:t>
             </a:r>
-            <a:endParaRPr lang="ko-KR" altLang="en-US"/>
           </a:p>
         </p:txBody>
       </p:sp>
@@ -1662,7 +1664,7 @@
           <a:p>
             <a:pPr lvl="0"/>
             <a:r>
-              <a:rPr lang="ko-KR" altLang="en-US" smtClean="0"/>
+              <a:rPr lang="ko-KR" altLang="en-US"/>
               <a:t>마스터 텍스트 스타일을 편집합니다</a:t>
             </a:r>
           </a:p>
@@ -1718,38 +1720,37 @@
           <a:p>
             <a:pPr lvl="0"/>
             <a:r>
-              <a:rPr lang="ko-KR" altLang="en-US" smtClean="0"/>
+              <a:rPr lang="ko-KR" altLang="en-US"/>
               <a:t>마스터 텍스트 스타일을 편집합니다</a:t>
             </a:r>
           </a:p>
           <a:p>
             <a:pPr lvl="1"/>
             <a:r>
-              <a:rPr lang="ko-KR" altLang="en-US" smtClean="0"/>
+              <a:rPr lang="ko-KR" altLang="en-US"/>
               <a:t>둘째 수준</a:t>
             </a:r>
           </a:p>
           <a:p>
             <a:pPr lvl="2"/>
             <a:r>
-              <a:rPr lang="ko-KR" altLang="en-US" smtClean="0"/>
+              <a:rPr lang="ko-KR" altLang="en-US"/>
               <a:t>셋째 수준</a:t>
             </a:r>
           </a:p>
           <a:p>
             <a:pPr lvl="3"/>
             <a:r>
-              <a:rPr lang="ko-KR" altLang="en-US" smtClean="0"/>
+              <a:rPr lang="ko-KR" altLang="en-US"/>
               <a:t>넷째 수준</a:t>
             </a:r>
           </a:p>
           <a:p>
             <a:pPr lvl="4"/>
             <a:r>
-              <a:rPr lang="ko-KR" altLang="en-US" smtClean="0"/>
+              <a:rPr lang="ko-KR" altLang="en-US"/>
               <a:t>다섯째 수준</a:t>
             </a:r>
-            <a:endParaRPr lang="ko-KR" altLang="en-US"/>
           </a:p>
         </p:txBody>
       </p:sp>
@@ -1770,7 +1771,7 @@
           <a:p>
             <a:fld id="{225B4899-1595-4BDA-80BF-2EE757760D0D}" type="datetimeFigureOut">
               <a:rPr lang="ko-KR" altLang="en-US" smtClean="0"/>
-              <a:t>2022-11-28</a:t>
+              <a:t>2022-11-29</a:t>
             </a:fld>
             <a:endParaRPr lang="ko-KR" altLang="en-US"/>
           </a:p>
@@ -1864,10 +1865,9 @@
           <a:lstStyle/>
           <a:p>
             <a:r>
-              <a:rPr lang="ko-KR" altLang="en-US" smtClean="0"/>
+              <a:rPr lang="ko-KR" altLang="en-US"/>
               <a:t>마스터 제목 스타일 편집</a:t>
             </a:r>
-            <a:endParaRPr lang="ko-KR" altLang="en-US"/>
           </a:p>
         </p:txBody>
       </p:sp>
@@ -1888,7 +1888,7 @@
           <a:p>
             <a:fld id="{225B4899-1595-4BDA-80BF-2EE757760D0D}" type="datetimeFigureOut">
               <a:rPr lang="ko-KR" altLang="en-US" smtClean="0"/>
-              <a:t>2022-11-28</a:t>
+              <a:t>2022-11-29</a:t>
             </a:fld>
             <a:endParaRPr lang="ko-KR" altLang="en-US"/>
           </a:p>
@@ -1983,7 +1983,7 @@
           <a:p>
             <a:fld id="{225B4899-1595-4BDA-80BF-2EE757760D0D}" type="datetimeFigureOut">
               <a:rPr lang="ko-KR" altLang="en-US" smtClean="0"/>
-              <a:t>2022-11-28</a:t>
+              <a:t>2022-11-29</a:t>
             </a:fld>
             <a:endParaRPr lang="ko-KR" altLang="en-US"/>
           </a:p>
@@ -2086,10 +2086,9 @@
           </a:lstStyle>
           <a:p>
             <a:r>
-              <a:rPr lang="ko-KR" altLang="en-US" smtClean="0"/>
+              <a:rPr lang="ko-KR" altLang="en-US"/>
               <a:t>마스터 제목 스타일 편집</a:t>
             </a:r>
-            <a:endParaRPr lang="ko-KR" altLang="en-US"/>
           </a:p>
         </p:txBody>
       </p:sp>
@@ -2143,38 +2142,37 @@
           <a:p>
             <a:pPr lvl="0"/>
             <a:r>
-              <a:rPr lang="ko-KR" altLang="en-US" smtClean="0"/>
+              <a:rPr lang="ko-KR" altLang="en-US"/>
               <a:t>마스터 텍스트 스타일을 편집합니다</a:t>
             </a:r>
           </a:p>
           <a:p>
             <a:pPr lvl="1"/>
             <a:r>
-              <a:rPr lang="ko-KR" altLang="en-US" smtClean="0"/>
+              <a:rPr lang="ko-KR" altLang="en-US"/>
               <a:t>둘째 수준</a:t>
             </a:r>
           </a:p>
           <a:p>
             <a:pPr lvl="2"/>
             <a:r>
-              <a:rPr lang="ko-KR" altLang="en-US" smtClean="0"/>
+              <a:rPr lang="ko-KR" altLang="en-US"/>
               <a:t>셋째 수준</a:t>
             </a:r>
           </a:p>
           <a:p>
             <a:pPr lvl="3"/>
             <a:r>
-              <a:rPr lang="ko-KR" altLang="en-US" smtClean="0"/>
+              <a:rPr lang="ko-KR" altLang="en-US"/>
               <a:t>넷째 수준</a:t>
             </a:r>
           </a:p>
           <a:p>
             <a:pPr lvl="4"/>
             <a:r>
-              <a:rPr lang="ko-KR" altLang="en-US" smtClean="0"/>
+              <a:rPr lang="ko-KR" altLang="en-US"/>
               <a:t>다섯째 수준</a:t>
             </a:r>
-            <a:endParaRPr lang="ko-KR" altLang="en-US"/>
           </a:p>
         </p:txBody>
       </p:sp>
@@ -2237,7 +2235,7 @@
           <a:p>
             <a:pPr lvl="0"/>
             <a:r>
-              <a:rPr lang="ko-KR" altLang="en-US" smtClean="0"/>
+              <a:rPr lang="ko-KR" altLang="en-US"/>
               <a:t>마스터 텍스트 스타일을 편집합니다</a:t>
             </a:r>
           </a:p>
@@ -2260,7 +2258,7 @@
           <a:p>
             <a:fld id="{225B4899-1595-4BDA-80BF-2EE757760D0D}" type="datetimeFigureOut">
               <a:rPr lang="ko-KR" altLang="en-US" smtClean="0"/>
-              <a:t>2022-11-28</a:t>
+              <a:t>2022-11-29</a:t>
             </a:fld>
             <a:endParaRPr lang="ko-KR" altLang="en-US"/>
           </a:p>
@@ -2363,10 +2361,9 @@
           </a:lstStyle>
           <a:p>
             <a:r>
-              <a:rPr lang="ko-KR" altLang="en-US" smtClean="0"/>
+              <a:rPr lang="ko-KR" altLang="en-US"/>
               <a:t>마스터 제목 스타일 편집</a:t>
             </a:r>
-            <a:endParaRPr lang="ko-KR" altLang="en-US"/>
           </a:p>
         </p:txBody>
       </p:sp>
@@ -2490,7 +2487,7 @@
           <a:p>
             <a:pPr lvl="0"/>
             <a:r>
-              <a:rPr lang="ko-KR" altLang="en-US" smtClean="0"/>
+              <a:rPr lang="ko-KR" altLang="en-US"/>
               <a:t>마스터 텍스트 스타일을 편집합니다</a:t>
             </a:r>
           </a:p>
@@ -2513,7 +2510,7 @@
           <a:p>
             <a:fld id="{225B4899-1595-4BDA-80BF-2EE757760D0D}" type="datetimeFigureOut">
               <a:rPr lang="ko-KR" altLang="en-US" smtClean="0"/>
-              <a:t>2022-11-28</a:t>
+              <a:t>2022-11-29</a:t>
             </a:fld>
             <a:endParaRPr lang="ko-KR" altLang="en-US"/>
           </a:p>
@@ -2622,10 +2619,9 @@
           <a:lstStyle/>
           <a:p>
             <a:r>
-              <a:rPr lang="ko-KR" altLang="en-US" smtClean="0"/>
+              <a:rPr lang="ko-KR" altLang="en-US"/>
               <a:t>마스터 제목 스타일 편집</a:t>
             </a:r>
-            <a:endParaRPr lang="ko-KR" altLang="en-US"/>
           </a:p>
         </p:txBody>
       </p:sp>
@@ -2656,38 +2652,37 @@
           <a:p>
             <a:pPr lvl="0"/>
             <a:r>
-              <a:rPr lang="ko-KR" altLang="en-US" smtClean="0"/>
+              <a:rPr lang="ko-KR" altLang="en-US"/>
               <a:t>마스터 텍스트 스타일을 편집합니다</a:t>
             </a:r>
           </a:p>
           <a:p>
             <a:pPr lvl="1"/>
             <a:r>
-              <a:rPr lang="ko-KR" altLang="en-US" smtClean="0"/>
+              <a:rPr lang="ko-KR" altLang="en-US"/>
               <a:t>둘째 수준</a:t>
             </a:r>
           </a:p>
           <a:p>
             <a:pPr lvl="2"/>
             <a:r>
-              <a:rPr lang="ko-KR" altLang="en-US" smtClean="0"/>
+              <a:rPr lang="ko-KR" altLang="en-US"/>
               <a:t>셋째 수준</a:t>
             </a:r>
           </a:p>
           <a:p>
             <a:pPr lvl="3"/>
             <a:r>
-              <a:rPr lang="ko-KR" altLang="en-US" smtClean="0"/>
+              <a:rPr lang="ko-KR" altLang="en-US"/>
               <a:t>넷째 수준</a:t>
             </a:r>
           </a:p>
           <a:p>
             <a:pPr lvl="4"/>
             <a:r>
-              <a:rPr lang="ko-KR" altLang="en-US" smtClean="0"/>
+              <a:rPr lang="ko-KR" altLang="en-US"/>
               <a:t>다섯째 수준</a:t>
             </a:r>
-            <a:endParaRPr lang="ko-KR" altLang="en-US"/>
           </a:p>
         </p:txBody>
       </p:sp>
@@ -2726,7 +2721,7 @@
           <a:p>
             <a:fld id="{225B4899-1595-4BDA-80BF-2EE757760D0D}" type="datetimeFigureOut">
               <a:rPr lang="ko-KR" altLang="en-US" smtClean="0"/>
-              <a:t>2022-11-28</a:t>
+              <a:t>2022-11-29</a:t>
             </a:fld>
             <a:endParaRPr lang="ko-KR" altLang="en-US"/>
           </a:p>
@@ -3122,10 +3117,9 @@
           <a:lstStyle/>
           <a:p>
             <a:r>
-              <a:rPr lang="ko-KR" altLang="en-US" dirty="0" smtClean="0"/>
+              <a:rPr lang="ko-KR" altLang="en-US" dirty="0"/>
               <a:t>요구사항 명세서</a:t>
             </a:r>
-            <a:endParaRPr lang="ko-KR" altLang="en-US" dirty="0"/>
           </a:p>
         </p:txBody>
       </p:sp>
@@ -3152,7 +3146,7 @@
           <a:lstStyle/>
           <a:p>
             <a:r>
-              <a:rPr lang="en-US" altLang="ko-KR" sz="2400" dirty="0" smtClean="0">
+              <a:rPr lang="en-US" altLang="ko-KR" sz="2400" dirty="0">
                 <a:solidFill>
                   <a:schemeClr val="tx1"/>
                 </a:solidFill>
@@ -3161,7 +3155,7 @@
               <a:t>2071375 </a:t>
             </a:r>
             <a:r>
-              <a:rPr lang="ko-KR" altLang="en-US" sz="2400" dirty="0" smtClean="0">
+              <a:rPr lang="ko-KR" altLang="en-US" sz="2400" dirty="0">
                 <a:solidFill>
                   <a:schemeClr val="tx1"/>
                 </a:solidFill>
@@ -3169,7 +3163,7 @@
               </a:rPr>
               <a:t>안진혁</a:t>
             </a:r>
-            <a:endParaRPr lang="en-US" altLang="ko-KR" sz="2400" dirty="0" smtClean="0">
+            <a:endParaRPr lang="en-US" altLang="ko-KR" sz="2400" dirty="0">
               <a:solidFill>
                 <a:schemeClr val="tx1"/>
               </a:solidFill>
@@ -3178,7 +3172,7 @@
           </a:p>
           <a:p>
             <a:r>
-              <a:rPr lang="en-US" altLang="ko-KR" sz="2400" dirty="0" smtClean="0">
+              <a:rPr lang="en-US" altLang="ko-KR" sz="2400" dirty="0">
                 <a:solidFill>
                   <a:schemeClr val="tx1"/>
                 </a:solidFill>
@@ -3187,7 +3181,7 @@
               <a:t>1891304 </a:t>
             </a:r>
             <a:r>
-              <a:rPr lang="ko-KR" altLang="en-US" sz="2400" dirty="0" smtClean="0">
+              <a:rPr lang="ko-KR" altLang="en-US" sz="2400" dirty="0">
                 <a:solidFill>
                   <a:schemeClr val="tx1"/>
                 </a:solidFill>
@@ -3195,7 +3189,7 @@
               </a:rPr>
               <a:t>정재훈</a:t>
             </a:r>
-            <a:endParaRPr lang="en-US" altLang="ko-KR" sz="2400" dirty="0" smtClean="0">
+            <a:endParaRPr lang="en-US" altLang="ko-KR" sz="2400" dirty="0">
               <a:solidFill>
                 <a:schemeClr val="tx1"/>
               </a:solidFill>
@@ -3204,7 +3198,7 @@
           </a:p>
           <a:p>
             <a:r>
-              <a:rPr lang="en-US" altLang="ko-KR" sz="2400" dirty="0" smtClean="0">
+              <a:rPr lang="en-US" altLang="ko-KR" sz="2400" dirty="0">
                 <a:solidFill>
                   <a:schemeClr val="tx1"/>
                 </a:solidFill>
@@ -3213,7 +3207,7 @@
               <a:t>1891318 </a:t>
             </a:r>
             <a:r>
-              <a:rPr lang="ko-KR" altLang="en-US" sz="2400" dirty="0" smtClean="0">
+              <a:rPr lang="ko-KR" altLang="en-US" sz="2400" dirty="0">
                 <a:solidFill>
                   <a:schemeClr val="tx1"/>
                 </a:solidFill>
@@ -3221,12 +3215,6 @@
               </a:rPr>
               <a:t>최동규</a:t>
             </a:r>
-            <a:endParaRPr lang="ko-KR" altLang="en-US" sz="2400" dirty="0">
-              <a:solidFill>
-                <a:schemeClr val="tx1"/>
-              </a:solidFill>
-              <a:latin typeface="+mj-lt"/>
-            </a:endParaRPr>
           </a:p>
         </p:txBody>
       </p:sp>
@@ -3408,7 +3396,7 @@
           </a:lstStyle>
           <a:p>
             <a:r>
-              <a:rPr lang="ko-KR" altLang="en-US" sz="2400" dirty="0" smtClean="0">
+              <a:rPr lang="ko-KR" altLang="en-US" sz="2400" dirty="0">
                 <a:solidFill>
                   <a:schemeClr val="tx1"/>
                 </a:solidFill>
@@ -3423,27 +3411,12 @@
                 </a:solidFill>
                 <a:latin typeface="+mj-lt"/>
               </a:rPr>
-              <a:t>2</a:t>
-            </a:r>
-            <a:r>
-              <a:rPr lang="en-US" altLang="ko-KR" sz="2400" dirty="0" smtClean="0">
-                <a:solidFill>
-                  <a:schemeClr val="tx1"/>
-                </a:solidFill>
-                <a:latin typeface="+mj-lt"/>
-              </a:rPr>
-              <a:t>.0</a:t>
-            </a:r>
-            <a:endParaRPr lang="en-US" altLang="ko-KR" sz="2400" dirty="0" smtClean="0">
-              <a:solidFill>
-                <a:schemeClr val="tx1"/>
-              </a:solidFill>
-              <a:latin typeface="+mj-lt"/>
-            </a:endParaRPr>
-          </a:p>
-          <a:p>
-            <a:r>
-              <a:rPr lang="ko-KR" altLang="en-US" sz="2400" dirty="0" smtClean="0">
+              <a:t>2.0</a:t>
+            </a:r>
+          </a:p>
+          <a:p>
+            <a:r>
+              <a:rPr lang="ko-KR" altLang="en-US" sz="2400" dirty="0">
                 <a:solidFill>
                   <a:schemeClr val="tx1"/>
                 </a:solidFill>
@@ -3452,7 +3425,7 @@
               <a:t>변경내용 </a:t>
             </a:r>
             <a:r>
-              <a:rPr lang="en-US" altLang="ko-KR" sz="2400" dirty="0" smtClean="0">
+              <a:rPr lang="en-US" altLang="ko-KR" sz="2400" dirty="0">
                 <a:solidFill>
                   <a:schemeClr val="tx1"/>
                 </a:solidFill>
@@ -3461,7 +3434,7 @@
               <a:t>: </a:t>
             </a:r>
             <a:r>
-              <a:rPr lang="ko-KR" altLang="en-US" sz="2400" dirty="0" smtClean="0">
+              <a:rPr lang="ko-KR" altLang="en-US" sz="2400" dirty="0">
                 <a:solidFill>
                   <a:schemeClr val="tx1"/>
                 </a:solidFill>
@@ -3469,7 +3442,7 @@
               </a:rPr>
               <a:t>용어정의 추가 및 전체적인 수정</a:t>
             </a:r>
-            <a:endParaRPr lang="en-US" altLang="ko-KR" sz="2400" dirty="0" smtClean="0">
+            <a:endParaRPr lang="en-US" altLang="ko-KR" sz="2400" dirty="0">
               <a:solidFill>
                 <a:schemeClr val="tx1"/>
               </a:solidFill>
@@ -3524,10 +3497,9 @@
           <a:lstStyle/>
           <a:p>
             <a:r>
-              <a:rPr lang="ko-KR" altLang="en-US" dirty="0" smtClean="0"/>
+              <a:rPr lang="ko-KR" altLang="en-US" dirty="0"/>
               <a:t>목차</a:t>
             </a:r>
-            <a:endParaRPr lang="ko-KR" altLang="en-US" dirty="0"/>
           </a:p>
         </p:txBody>
       </p:sp>
@@ -3547,38 +3519,38 @@
           <a:lstStyle/>
           <a:p>
             <a:r>
-              <a:rPr lang="ko-KR" altLang="en-US" dirty="0" smtClean="0"/>
+              <a:rPr lang="ko-KR" altLang="en-US" dirty="0"/>
               <a:t>개요</a:t>
             </a:r>
-            <a:endParaRPr lang="en-US" altLang="ko-KR" dirty="0" smtClean="0"/>
-          </a:p>
-          <a:p>
-            <a:r>
-              <a:rPr lang="ko-KR" altLang="en-US" dirty="0" smtClean="0"/>
+            <a:endParaRPr lang="en-US" altLang="ko-KR" dirty="0"/>
+          </a:p>
+          <a:p>
+            <a:r>
+              <a:rPr lang="ko-KR" altLang="en-US" dirty="0"/>
               <a:t>용어정의</a:t>
             </a:r>
-            <a:endParaRPr lang="en-US" altLang="ko-KR" dirty="0" smtClean="0"/>
-          </a:p>
-          <a:p>
-            <a:r>
-              <a:rPr lang="ko-KR" altLang="en-US" dirty="0" smtClean="0"/>
+            <a:endParaRPr lang="en-US" altLang="ko-KR" dirty="0"/>
+          </a:p>
+          <a:p>
+            <a:r>
+              <a:rPr lang="ko-KR" altLang="en-US" dirty="0"/>
               <a:t>기능적 요구사항</a:t>
             </a:r>
-            <a:endParaRPr lang="en-US" altLang="ko-KR" dirty="0" smtClean="0"/>
-          </a:p>
-          <a:p>
-            <a:r>
-              <a:rPr lang="ko-KR" altLang="en-US" dirty="0" smtClean="0"/>
+            <a:endParaRPr lang="en-US" altLang="ko-KR" dirty="0"/>
+          </a:p>
+          <a:p>
+            <a:r>
+              <a:rPr lang="ko-KR" altLang="en-US" dirty="0"/>
               <a:t>비기능적 요구사항</a:t>
             </a:r>
-            <a:endParaRPr lang="en-US" altLang="ko-KR" dirty="0" smtClean="0"/>
-          </a:p>
-          <a:p>
-            <a:r>
-              <a:rPr lang="ko-KR" altLang="en-US" dirty="0" smtClean="0"/>
+            <a:endParaRPr lang="en-US" altLang="ko-KR" dirty="0"/>
+          </a:p>
+          <a:p>
+            <a:r>
+              <a:rPr lang="ko-KR" altLang="en-US" dirty="0"/>
               <a:t>제약사항</a:t>
             </a:r>
-            <a:endParaRPr lang="en-US" altLang="ko-KR" dirty="0" smtClean="0"/>
+            <a:endParaRPr lang="en-US" altLang="ko-KR" dirty="0"/>
           </a:p>
           <a:p>
             <a:pPr marL="0" indent="0">
@@ -3634,10 +3606,9 @@
           <a:lstStyle/>
           <a:p>
             <a:r>
-              <a:rPr lang="ko-KR" altLang="en-US" dirty="0" smtClean="0"/>
+              <a:rPr lang="ko-KR" altLang="en-US" dirty="0"/>
               <a:t>개요</a:t>
             </a:r>
-            <a:endParaRPr lang="ko-KR" altLang="en-US" dirty="0"/>
           </a:p>
         </p:txBody>
       </p:sp>
@@ -3657,14 +3628,13 @@
           <a:lstStyle/>
           <a:p>
             <a:r>
-              <a:rPr lang="en-US" altLang="ko-KR" dirty="0" smtClean="0"/>
+              <a:rPr lang="en-US" altLang="ko-KR" dirty="0"/>
               <a:t>SNS</a:t>
             </a:r>
             <a:r>
-              <a:rPr lang="ko-KR" altLang="en-US" dirty="0" smtClean="0"/>
+              <a:rPr lang="ko-KR" altLang="en-US" dirty="0"/>
               <a:t>를 주제로 실제로 사용할 수 있는 어플리케이션을 구현하려 함</a:t>
             </a:r>
-            <a:endParaRPr lang="ko-KR" altLang="en-US" dirty="0"/>
           </a:p>
         </p:txBody>
       </p:sp>
@@ -3714,10 +3684,9 @@
           <a:lstStyle/>
           <a:p>
             <a:r>
-              <a:rPr lang="ko-KR" altLang="en-US" dirty="0" smtClean="0"/>
+              <a:rPr lang="ko-KR" altLang="en-US" dirty="0"/>
               <a:t>용어정의</a:t>
             </a:r>
-            <a:endParaRPr lang="ko-KR" altLang="en-US" dirty="0"/>
           </a:p>
         </p:txBody>
       </p:sp>
@@ -3737,60 +3706,60 @@
           <a:lstStyle/>
           <a:p>
             <a:r>
-              <a:rPr lang="ko-KR" altLang="en-US" dirty="0" smtClean="0"/>
+              <a:rPr lang="ko-KR" altLang="en-US" dirty="0"/>
               <a:t>로그인</a:t>
             </a:r>
             <a:r>
-              <a:rPr lang="en-US" altLang="ko-KR" dirty="0" smtClean="0"/>
+              <a:rPr lang="en-US" altLang="ko-KR" dirty="0"/>
               <a:t>: </a:t>
             </a:r>
             <a:r>
-              <a:rPr lang="ko-KR" altLang="en-US" dirty="0" smtClean="0"/>
+              <a:rPr lang="ko-KR" altLang="en-US" dirty="0"/>
               <a:t>아이디와 비밀 번호를 입력하여 데이터 베이스에 접속하는 것</a:t>
             </a:r>
-            <a:endParaRPr lang="en-US" altLang="ko-KR" dirty="0" smtClean="0"/>
-          </a:p>
-          <a:p>
-            <a:r>
-              <a:rPr lang="ko-KR" altLang="en-US" dirty="0" smtClean="0"/>
+            <a:endParaRPr lang="en-US" altLang="ko-KR" dirty="0"/>
+          </a:p>
+          <a:p>
+            <a:r>
+              <a:rPr lang="ko-KR" altLang="en-US" dirty="0"/>
               <a:t>로그아웃</a:t>
             </a:r>
             <a:r>
-              <a:rPr lang="en-US" altLang="ko-KR" dirty="0" smtClean="0"/>
+              <a:rPr lang="en-US" altLang="ko-KR" dirty="0"/>
               <a:t>: </a:t>
             </a:r>
             <a:r>
-              <a:rPr lang="ko-KR" altLang="en-US" dirty="0" smtClean="0"/>
+              <a:rPr lang="ko-KR" altLang="en-US" dirty="0"/>
               <a:t>데이터 베이스에서 접속을 </a:t>
             </a:r>
             <a:r>
-              <a:rPr lang="ko-KR" altLang="en-US" dirty="0" err="1" smtClean="0"/>
+              <a:rPr lang="ko-KR" altLang="en-US" dirty="0" err="1"/>
               <a:t>그만두는것</a:t>
             </a:r>
-            <a:endParaRPr lang="en-US" altLang="ko-KR" dirty="0" smtClean="0"/>
-          </a:p>
-          <a:p>
-            <a:r>
-              <a:rPr lang="ko-KR" altLang="en-US" dirty="0" smtClean="0"/>
+            <a:endParaRPr lang="en-US" altLang="ko-KR" dirty="0"/>
+          </a:p>
+          <a:p>
+            <a:r>
+              <a:rPr lang="ko-KR" altLang="en-US" dirty="0"/>
               <a:t>업로드</a:t>
             </a:r>
             <a:r>
-              <a:rPr lang="en-US" altLang="ko-KR" dirty="0" smtClean="0"/>
+              <a:rPr lang="en-US" altLang="ko-KR" dirty="0"/>
               <a:t>: </a:t>
             </a:r>
             <a:r>
-              <a:rPr lang="ko-KR" altLang="en-US" dirty="0" smtClean="0"/>
+              <a:rPr lang="ko-KR" altLang="en-US" dirty="0"/>
               <a:t>사진 및 </a:t>
             </a:r>
             <a:r>
-              <a:rPr lang="ko-KR" altLang="en-US" dirty="0" err="1" smtClean="0"/>
+              <a:rPr lang="ko-KR" altLang="en-US" dirty="0" err="1"/>
               <a:t>게시글을</a:t>
             </a:r>
             <a:r>
-              <a:rPr lang="ko-KR" altLang="en-US" dirty="0" smtClean="0"/>
+              <a:rPr lang="ko-KR" altLang="en-US" dirty="0"/>
               <a:t> 데이터 베이스에 저장하고 연동하는 것</a:t>
             </a:r>
-            <a:endParaRPr lang="en-US" altLang="ko-KR" dirty="0" smtClean="0"/>
+            <a:endParaRPr lang="en-US" altLang="ko-KR" dirty="0"/>
           </a:p>
           <a:p>
             <a:endParaRPr lang="ko-KR" altLang="en-US" dirty="0"/>
@@ -3850,10 +3819,9 @@
           <a:lstStyle/>
           <a:p>
             <a:r>
-              <a:rPr lang="ko-KR" altLang="en-US" sz="3600" dirty="0" smtClean="0"/>
+              <a:rPr lang="ko-KR" altLang="en-US" sz="3600" dirty="0"/>
               <a:t>기능적 요구사항</a:t>
             </a:r>
-            <a:endParaRPr lang="ko-KR" altLang="en-US" sz="3600" dirty="0"/>
           </a:p>
         </p:txBody>
       </p:sp>
@@ -3867,14 +3835,14 @@
             <p:ph idx="1"/>
             <p:extLst>
               <p:ext uri="{D42A27DB-BD31-4B8C-83A1-F6EECF244321}">
-                <p14:modId xmlns:p14="http://schemas.microsoft.com/office/powerpoint/2010/main" val="701184169"/>
+                <p14:modId xmlns:p14="http://schemas.microsoft.com/office/powerpoint/2010/main" val="1410997785"/>
               </p:ext>
             </p:extLst>
           </p:nvPr>
         </p:nvGraphicFramePr>
         <p:xfrm>
           <a:off x="539552" y="692696"/>
-          <a:ext cx="8229600" cy="4942840"/>
+          <a:ext cx="8229600" cy="4759960"/>
         </p:xfrm>
         <a:graphic>
           <a:graphicData uri="http://schemas.openxmlformats.org/drawingml/2006/table">
@@ -3883,12 +3851,48 @@
                 <a:tableStyleId>{5C22544A-7EE6-4342-B048-85BDC9FD1C3A}</a:tableStyleId>
               </a:tblPr>
               <a:tblGrid>
-                <a:gridCol w="1371600"/>
-                <a:gridCol w="1591072"/>
-                <a:gridCol w="1224136"/>
-                <a:gridCol w="1872208"/>
-                <a:gridCol w="1152128"/>
-                <a:gridCol w="1018456"/>
+                <a:gridCol w="1371600">
+                  <a:extLst>
+                    <a:ext uri="{9D8B030D-6E8A-4147-A177-3AD203B41FA5}">
+                      <a16:colId xmlns:a16="http://schemas.microsoft.com/office/drawing/2014/main" val="20000"/>
+                    </a:ext>
+                  </a:extLst>
+                </a:gridCol>
+                <a:gridCol w="1591072">
+                  <a:extLst>
+                    <a:ext uri="{9D8B030D-6E8A-4147-A177-3AD203B41FA5}">
+                      <a16:colId xmlns:a16="http://schemas.microsoft.com/office/drawing/2014/main" val="20001"/>
+                    </a:ext>
+                  </a:extLst>
+                </a:gridCol>
+                <a:gridCol w="1224136">
+                  <a:extLst>
+                    <a:ext uri="{9D8B030D-6E8A-4147-A177-3AD203B41FA5}">
+                      <a16:colId xmlns:a16="http://schemas.microsoft.com/office/drawing/2014/main" val="20002"/>
+                    </a:ext>
+                  </a:extLst>
+                </a:gridCol>
+                <a:gridCol w="1872208">
+                  <a:extLst>
+                    <a:ext uri="{9D8B030D-6E8A-4147-A177-3AD203B41FA5}">
+                      <a16:colId xmlns:a16="http://schemas.microsoft.com/office/drawing/2014/main" val="20003"/>
+                    </a:ext>
+                  </a:extLst>
+                </a:gridCol>
+                <a:gridCol w="1152128">
+                  <a:extLst>
+                    <a:ext uri="{9D8B030D-6E8A-4147-A177-3AD203B41FA5}">
+                      <a16:colId xmlns:a16="http://schemas.microsoft.com/office/drawing/2014/main" val="20004"/>
+                    </a:ext>
+                  </a:extLst>
+                </a:gridCol>
+                <a:gridCol w="1018456">
+                  <a:extLst>
+                    <a:ext uri="{9D8B030D-6E8A-4147-A177-3AD203B41FA5}">
+                      <a16:colId xmlns:a16="http://schemas.microsoft.com/office/drawing/2014/main" val="20005"/>
+                    </a:ext>
+                  </a:extLst>
+                </a:gridCol>
               </a:tblGrid>
               <a:tr h="370840">
                 <a:tc>
@@ -3898,7 +3902,7 @@
                     <a:p>
                       <a:pPr latinLnBrk="1"/>
                       <a:r>
-                        <a:rPr lang="en-US" altLang="ko-KR" dirty="0" smtClean="0"/>
+                        <a:rPr lang="en-US" altLang="ko-KR" dirty="0"/>
                         <a:t>ID</a:t>
                       </a:r>
                       <a:endParaRPr lang="ko-KR" altLang="en-US" dirty="0"/>
@@ -3913,74 +3917,75 @@
                     <a:p>
                       <a:pPr latinLnBrk="1"/>
                       <a:r>
-                        <a:rPr lang="ko-KR" altLang="en-US" dirty="0" smtClean="0"/>
+                        <a:rPr lang="ko-KR" altLang="en-US" dirty="0"/>
                         <a:t>구분</a:t>
                       </a:r>
-                      <a:endParaRPr lang="ko-KR" altLang="en-US" dirty="0"/>
-                    </a:p>
-                  </a:txBody>
-                  <a:tcPr/>
-                </a:tc>
-                <a:tc>
-                  <a:txBody>
-                    <a:bodyPr/>
-                    <a:lstStyle/>
-                    <a:p>
-                      <a:pPr latinLnBrk="1"/>
-                      <a:r>
-                        <a:rPr lang="ko-KR" altLang="en-US" dirty="0" smtClean="0"/>
+                    </a:p>
+                  </a:txBody>
+                  <a:tcPr/>
+                </a:tc>
+                <a:tc>
+                  <a:txBody>
+                    <a:bodyPr/>
+                    <a:lstStyle/>
+                    <a:p>
+                      <a:pPr latinLnBrk="1"/>
+                      <a:r>
+                        <a:rPr lang="ko-KR" altLang="en-US" dirty="0"/>
                         <a:t>기능이름</a:t>
                       </a:r>
-                      <a:endParaRPr lang="en-US" altLang="ko-KR" dirty="0" smtClean="0"/>
-                    </a:p>
-                  </a:txBody>
-                  <a:tcPr/>
-                </a:tc>
-                <a:tc>
-                  <a:txBody>
-                    <a:bodyPr/>
-                    <a:lstStyle/>
-                    <a:p>
-                      <a:pPr latinLnBrk="1"/>
-                      <a:r>
-                        <a:rPr lang="ko-KR" altLang="en-US" dirty="0" smtClean="0"/>
+                      <a:endParaRPr lang="en-US" altLang="ko-KR" dirty="0"/>
+                    </a:p>
+                  </a:txBody>
+                  <a:tcPr/>
+                </a:tc>
+                <a:tc>
+                  <a:txBody>
+                    <a:bodyPr/>
+                    <a:lstStyle/>
+                    <a:p>
+                      <a:pPr latinLnBrk="1"/>
+                      <a:r>
+                        <a:rPr lang="ko-KR" altLang="en-US" dirty="0"/>
                         <a:t>기능설명</a:t>
                       </a:r>
-                      <a:endParaRPr lang="ko-KR" altLang="en-US" dirty="0"/>
-                    </a:p>
-                  </a:txBody>
-                  <a:tcPr/>
-                </a:tc>
-                <a:tc>
-                  <a:txBody>
-                    <a:bodyPr/>
-                    <a:lstStyle/>
-                    <a:p>
-                      <a:pPr latinLnBrk="1"/>
-                      <a:r>
-                        <a:rPr lang="ko-KR" altLang="en-US" dirty="0" smtClean="0"/>
+                    </a:p>
+                  </a:txBody>
+                  <a:tcPr/>
+                </a:tc>
+                <a:tc>
+                  <a:txBody>
+                    <a:bodyPr/>
+                    <a:lstStyle/>
+                    <a:p>
+                      <a:pPr latinLnBrk="1"/>
+                      <a:r>
+                        <a:rPr lang="ko-KR" altLang="en-US" dirty="0"/>
                         <a:t>우선순위</a:t>
                       </a:r>
-                      <a:endParaRPr lang="ko-KR" altLang="en-US" dirty="0"/>
-                    </a:p>
-                  </a:txBody>
-                  <a:tcPr/>
-                </a:tc>
-                <a:tc>
-                  <a:txBody>
-                    <a:bodyPr/>
-                    <a:lstStyle/>
-                    <a:p>
-                      <a:pPr latinLnBrk="1"/>
-                      <a:r>
-                        <a:rPr lang="ko-KR" altLang="en-US" dirty="0" smtClean="0"/>
+                    </a:p>
+                  </a:txBody>
+                  <a:tcPr/>
+                </a:tc>
+                <a:tc>
+                  <a:txBody>
+                    <a:bodyPr/>
+                    <a:lstStyle/>
+                    <a:p>
+                      <a:pPr latinLnBrk="1"/>
+                      <a:r>
+                        <a:rPr lang="ko-KR" altLang="en-US" dirty="0"/>
                         <a:t>비고</a:t>
                       </a:r>
-                      <a:endParaRPr lang="ko-KR" altLang="en-US" dirty="0"/>
-                    </a:p>
-                  </a:txBody>
-                  <a:tcPr/>
-                </a:tc>
+                    </a:p>
+                  </a:txBody>
+                  <a:tcPr/>
+                </a:tc>
+                <a:extLst>
+                  <a:ext uri="{0D108BD9-81ED-4DB2-BD59-A6C34878D82A}">
+                    <a16:rowId xmlns:a16="http://schemas.microsoft.com/office/drawing/2014/main" val="10000"/>
+                  </a:ext>
+                </a:extLst>
               </a:tr>
               <a:tr h="370840">
                 <a:tc>
@@ -3990,7 +3995,7 @@
                     <a:p>
                       <a:pPr latinLnBrk="1"/>
                       <a:r>
-                        <a:rPr lang="en-US" altLang="ko-KR" sz="1200" dirty="0" smtClean="0"/>
+                        <a:rPr lang="en-US" altLang="ko-KR" sz="1200" dirty="0"/>
                         <a:t>A1</a:t>
                       </a:r>
                       <a:endParaRPr lang="ko-KR" altLang="en-US" sz="1200" dirty="0"/>
@@ -4005,9 +4010,100 @@
                     <a:p>
                       <a:pPr latinLnBrk="1"/>
                       <a:r>
-                        <a:rPr lang="ko-KR" altLang="en-US" sz="1200" dirty="0" smtClean="0"/>
+                        <a:rPr lang="ko-KR" altLang="en-US" sz="1200" dirty="0"/>
                         <a:t>가입</a:t>
                       </a:r>
+                    </a:p>
+                  </a:txBody>
+                  <a:tcPr/>
+                </a:tc>
+                <a:tc>
+                  <a:txBody>
+                    <a:bodyPr/>
+                    <a:lstStyle/>
+                    <a:p>
+                      <a:pPr latinLnBrk="1"/>
+                      <a:r>
+                        <a:rPr lang="ko-KR" altLang="en-US" sz="1200" dirty="0"/>
+                        <a:t>회원가입</a:t>
+                      </a:r>
+                    </a:p>
+                  </a:txBody>
+                  <a:tcPr/>
+                </a:tc>
+                <a:tc>
+                  <a:txBody>
+                    <a:bodyPr/>
+                    <a:lstStyle/>
+                    <a:p>
+                      <a:pPr latinLnBrk="1"/>
+                      <a:r>
+                        <a:rPr lang="ko-KR" altLang="en-US" sz="1200" dirty="0" err="1"/>
+                        <a:t>이메일</a:t>
+                      </a:r>
+                      <a:r>
+                        <a:rPr lang="ko-KR" altLang="en-US" sz="1200" dirty="0"/>
+                        <a:t> 인증을</a:t>
+                      </a:r>
+                      <a:r>
+                        <a:rPr lang="ko-KR" altLang="en-US" sz="1200" baseline="0" dirty="0"/>
+                        <a:t> 통해 </a:t>
+                      </a:r>
+                      <a:r>
+                        <a:rPr lang="en-US" altLang="ko-KR" sz="1200" baseline="0" dirty="0"/>
+                        <a:t>ID</a:t>
+                      </a:r>
+                      <a:r>
+                        <a:rPr lang="ko-KR" altLang="en-US" sz="1200" baseline="0" dirty="0"/>
+                        <a:t>를 </a:t>
+                      </a:r>
+                      <a:r>
+                        <a:rPr lang="ko-KR" altLang="en-US" sz="1200" baseline="0" dirty="0" err="1"/>
+                        <a:t>이메일로</a:t>
+                      </a:r>
+                      <a:r>
+                        <a:rPr lang="ko-KR" altLang="en-US" sz="1200" baseline="0" dirty="0"/>
+                        <a:t> 설정하고 비밀번호 설정한다</a:t>
+                      </a:r>
+                      <a:r>
+                        <a:rPr lang="en-US" altLang="ko-KR" sz="1200" baseline="0" dirty="0"/>
+                        <a:t>.</a:t>
+                      </a:r>
+                    </a:p>
+                    <a:p>
+                      <a:pPr latinLnBrk="1"/>
+                      <a:r>
+                        <a:rPr lang="ko-KR" altLang="en-US" sz="1200" baseline="0" dirty="0"/>
+                        <a:t>추가로 이름</a:t>
+                      </a:r>
+                      <a:r>
+                        <a:rPr lang="en-US" altLang="ko-KR" sz="1200" baseline="0" dirty="0"/>
+                        <a:t>, </a:t>
+                      </a:r>
+                      <a:r>
+                        <a:rPr lang="ko-KR" altLang="en-US" sz="1200" baseline="0" dirty="0"/>
+                        <a:t>핸드폰번호</a:t>
+                      </a:r>
+                      <a:r>
+                        <a:rPr lang="en-US" altLang="ko-KR" sz="1200" baseline="0" dirty="0"/>
+                        <a:t>, </a:t>
+                      </a:r>
+                      <a:r>
+                        <a:rPr lang="ko-KR" altLang="en-US" sz="1200" baseline="0" dirty="0"/>
+                        <a:t>주소를 </a:t>
+                      </a:r>
+                      <a:r>
+                        <a:rPr lang="ko-KR" altLang="en-US" sz="1200" baseline="0" dirty="0" err="1"/>
+                        <a:t>입력받는다</a:t>
+                      </a:r>
+                      <a:r>
+                        <a:rPr lang="en-US" altLang="ko-KR" sz="1200" baseline="0" dirty="0"/>
+                        <a:t>.</a:t>
+                      </a:r>
+                      <a:r>
+                        <a:rPr lang="ko-KR" altLang="en-US" sz="1200" baseline="0" dirty="0"/>
+                        <a:t> </a:t>
+                      </a:r>
                       <a:endParaRPr lang="ko-KR" altLang="en-US" sz="1200" dirty="0"/>
                     </a:p>
                   </a:txBody>
@@ -4020,126 +4116,37 @@
                     <a:p>
                       <a:pPr latinLnBrk="1"/>
                       <a:r>
-                        <a:rPr lang="ko-KR" altLang="en-US" sz="1200" dirty="0" smtClean="0"/>
-                        <a:t>회원가입</a:t>
+                        <a:rPr lang="ko-KR" altLang="en-US" sz="1200" dirty="0"/>
+                        <a:t>상</a:t>
+                      </a:r>
+                    </a:p>
+                  </a:txBody>
+                  <a:tcPr/>
+                </a:tc>
+                <a:tc>
+                  <a:txBody>
+                    <a:bodyPr/>
+                    <a:lstStyle/>
+                    <a:p>
+                      <a:pPr latinLnBrk="1"/>
+                      <a:r>
+                        <a:rPr lang="en-US" altLang="ko-KR" sz="1200" dirty="0"/>
+                        <a:t>Firebase </a:t>
+                      </a:r>
+                      <a:r>
+                        <a:rPr lang="en-US" altLang="ko-KR" sz="1200" dirty="0" err="1"/>
+                        <a:t>Auth</a:t>
                       </a:r>
                       <a:endParaRPr lang="ko-KR" altLang="en-US" sz="1200" dirty="0"/>
                     </a:p>
                   </a:txBody>
                   <a:tcPr/>
                 </a:tc>
-                <a:tc>
-                  <a:txBody>
-                    <a:bodyPr/>
-                    <a:lstStyle/>
-                    <a:p>
-                      <a:pPr latinLnBrk="1"/>
-                      <a:r>
-                        <a:rPr lang="ko-KR" altLang="en-US" sz="1200" dirty="0" err="1" smtClean="0"/>
-                        <a:t>이메일</a:t>
-                      </a:r>
-                      <a:r>
-                        <a:rPr lang="ko-KR" altLang="en-US" sz="1200" dirty="0" smtClean="0"/>
-                        <a:t> 인증을</a:t>
-                      </a:r>
-                      <a:r>
-                        <a:rPr lang="ko-KR" altLang="en-US" sz="1200" baseline="0" dirty="0" smtClean="0"/>
-                        <a:t> 통해 </a:t>
-                      </a:r>
-                      <a:r>
-                        <a:rPr lang="en-US" altLang="ko-KR" sz="1200" baseline="0" dirty="0" smtClean="0"/>
-                        <a:t>ID</a:t>
-                      </a:r>
-                      <a:r>
-                        <a:rPr lang="ko-KR" altLang="en-US" sz="1200" baseline="0" dirty="0" smtClean="0"/>
-                        <a:t>를 </a:t>
-                      </a:r>
-                      <a:r>
-                        <a:rPr lang="ko-KR" altLang="en-US" sz="1200" baseline="0" dirty="0" err="1" smtClean="0"/>
-                        <a:t>이메일로</a:t>
-                      </a:r>
-                      <a:r>
-                        <a:rPr lang="ko-KR" altLang="en-US" sz="1200" baseline="0" dirty="0" smtClean="0"/>
-                        <a:t> 설정하고 비밀번호 설정한다</a:t>
-                      </a:r>
-                      <a:r>
-                        <a:rPr lang="en-US" altLang="ko-KR" sz="1200" baseline="0" dirty="0" smtClean="0"/>
-                        <a:t>.</a:t>
-                      </a:r>
-                    </a:p>
-                    <a:p>
-                      <a:pPr latinLnBrk="1"/>
-                      <a:r>
-                        <a:rPr lang="ko-KR" altLang="en-US" sz="1200" baseline="0" dirty="0" smtClean="0"/>
-                        <a:t>추가로 이름</a:t>
-                      </a:r>
-                      <a:r>
-                        <a:rPr lang="en-US" altLang="ko-KR" sz="1200" baseline="0" dirty="0" smtClean="0"/>
-                        <a:t>, </a:t>
-                      </a:r>
-                      <a:r>
-                        <a:rPr lang="ko-KR" altLang="en-US" sz="1200" baseline="0" dirty="0" smtClean="0"/>
-                        <a:t>핸드폰번호</a:t>
-                      </a:r>
-                      <a:r>
-                        <a:rPr lang="en-US" altLang="ko-KR" sz="1200" baseline="0" dirty="0" smtClean="0"/>
-                        <a:t>, </a:t>
-                      </a:r>
-                      <a:r>
-                        <a:rPr lang="ko-KR" altLang="en-US" sz="1200" baseline="0" dirty="0" smtClean="0"/>
-                        <a:t>주소를 </a:t>
-                      </a:r>
-                      <a:r>
-                        <a:rPr lang="ko-KR" altLang="en-US" sz="1200" baseline="0" dirty="0" err="1" smtClean="0"/>
-                        <a:t>입력받는다</a:t>
-                      </a:r>
-                      <a:r>
-                        <a:rPr lang="en-US" altLang="ko-KR" sz="1200" baseline="0" dirty="0" smtClean="0"/>
-                        <a:t>.</a:t>
-                      </a:r>
-                      <a:r>
-                        <a:rPr lang="ko-KR" altLang="en-US" sz="1200" baseline="0" dirty="0" smtClean="0"/>
-                        <a:t> </a:t>
-                      </a:r>
-                      <a:endParaRPr lang="ko-KR" altLang="en-US" sz="1200" dirty="0"/>
-                    </a:p>
-                  </a:txBody>
-                  <a:tcPr/>
-                </a:tc>
-                <a:tc>
-                  <a:txBody>
-                    <a:bodyPr/>
-                    <a:lstStyle/>
-                    <a:p>
-                      <a:pPr latinLnBrk="1"/>
-                      <a:r>
-                        <a:rPr lang="ko-KR" altLang="en-US" sz="1200" dirty="0" smtClean="0"/>
-                        <a:t>상</a:t>
-                      </a:r>
-                      <a:endParaRPr lang="ko-KR" altLang="en-US" sz="1200" dirty="0"/>
-                    </a:p>
-                  </a:txBody>
-                  <a:tcPr/>
-                </a:tc>
-                <a:tc>
-                  <a:txBody>
-                    <a:bodyPr/>
-                    <a:lstStyle/>
-                    <a:p>
-                      <a:pPr latinLnBrk="1"/>
-                      <a:r>
-                        <a:rPr lang="en-US" altLang="ko-KR" sz="1200" dirty="0" smtClean="0"/>
-                        <a:t>Firebase </a:t>
-                      </a:r>
-                      <a:r>
-                        <a:rPr lang="en-US" altLang="ko-KR" sz="1200" dirty="0" err="1" smtClean="0"/>
-                        <a:t>Auth</a:t>
-                      </a:r>
-                      <a:endParaRPr lang="ko-KR" altLang="en-US" sz="1200" dirty="0"/>
-                    </a:p>
-                  </a:txBody>
-                  <a:tcPr/>
-                </a:tc>
+                <a:extLst>
+                  <a:ext uri="{0D108BD9-81ED-4DB2-BD59-A6C34878D82A}">
+                    <a16:rowId xmlns:a16="http://schemas.microsoft.com/office/drawing/2014/main" val="10001"/>
+                  </a:ext>
+                </a:extLst>
               </a:tr>
               <a:tr h="370840">
                 <a:tc>
@@ -4149,7 +4156,7 @@
                     <a:p>
                       <a:pPr latinLnBrk="1"/>
                       <a:r>
-                        <a:rPr lang="en-US" altLang="ko-KR" sz="1200" dirty="0" smtClean="0"/>
+                        <a:rPr lang="en-US" altLang="ko-KR" sz="1200" dirty="0"/>
                         <a:t>A2</a:t>
                       </a:r>
                       <a:endParaRPr lang="ko-KR" altLang="en-US" sz="1200" dirty="0"/>
@@ -4164,9 +4171,23 @@
                     <a:p>
                       <a:pPr latinLnBrk="1"/>
                       <a:r>
-                        <a:rPr lang="ko-KR" altLang="en-US" sz="1200" dirty="0" smtClean="0"/>
+                        <a:rPr lang="ko-KR" altLang="en-US" sz="1200" dirty="0"/>
                         <a:t>인증</a:t>
                       </a:r>
+                    </a:p>
+                  </a:txBody>
+                  <a:tcPr/>
+                </a:tc>
+                <a:tc>
+                  <a:txBody>
+                    <a:bodyPr/>
+                    <a:lstStyle/>
+                    <a:p>
+                      <a:pPr latinLnBrk="1"/>
+                      <a:r>
+                        <a:rPr lang="ko-KR" altLang="en-US" sz="1200" dirty="0" err="1"/>
+                        <a:t>이메일인증</a:t>
+                      </a:r>
                       <a:endParaRPr lang="ko-KR" altLang="en-US" sz="1200" dirty="0"/>
                     </a:p>
                   </a:txBody>
@@ -4179,8 +4200,24 @@
                     <a:p>
                       <a:pPr latinLnBrk="1"/>
                       <a:r>
-                        <a:rPr lang="ko-KR" altLang="en-US" sz="1200" dirty="0" err="1" smtClean="0"/>
-                        <a:t>이메일인증</a:t>
+                        <a:rPr lang="ko-KR" altLang="en-US" sz="1200" dirty="0" err="1"/>
+                        <a:t>이메일에</a:t>
+                      </a:r>
+                      <a:r>
+                        <a:rPr lang="ko-KR" altLang="en-US" sz="1200" dirty="0"/>
+                        <a:t> 인증번호를 보내고 맞으면 </a:t>
+                      </a:r>
+                      <a:r>
+                        <a:rPr lang="ko-KR" altLang="en-US" sz="1200" dirty="0" err="1"/>
+                        <a:t>이메일주소를</a:t>
+                      </a:r>
+                      <a:r>
+                        <a:rPr lang="ko-KR" altLang="en-US" sz="1200" dirty="0"/>
+                        <a:t> 사용하여 사용자 구분을 한다</a:t>
+                      </a:r>
+                      <a:r>
+                        <a:rPr lang="en-US" altLang="ko-KR" sz="1200" dirty="0"/>
+                        <a:t>.</a:t>
                       </a:r>
                       <a:endParaRPr lang="ko-KR" altLang="en-US" sz="1200" dirty="0"/>
                     </a:p>
@@ -4194,64 +4231,37 @@
                     <a:p>
                       <a:pPr latinLnBrk="1"/>
                       <a:r>
-                        <a:rPr lang="ko-KR" altLang="en-US" sz="1200" dirty="0" err="1" smtClean="0"/>
-                        <a:t>이메일에</a:t>
-                      </a:r>
-                      <a:r>
-                        <a:rPr lang="ko-KR" altLang="en-US" sz="1200" dirty="0" smtClean="0"/>
-                        <a:t> 인증번호를 보내고 맞으면 </a:t>
-                      </a:r>
-                      <a:r>
-                        <a:rPr lang="ko-KR" altLang="en-US" sz="1200" dirty="0" err="1" smtClean="0"/>
-                        <a:t>이메일주소를</a:t>
-                      </a:r>
-                      <a:r>
-                        <a:rPr lang="ko-KR" altLang="en-US" sz="1200" dirty="0" smtClean="0"/>
-                        <a:t> 사용하여 사용자 구분을 한다</a:t>
-                      </a:r>
-                      <a:r>
-                        <a:rPr lang="en-US" altLang="ko-KR" sz="1200" dirty="0" smtClean="0"/>
-                        <a:t>.</a:t>
+                        <a:rPr lang="ko-KR" altLang="en-US" sz="1200" dirty="0"/>
+                        <a:t>상</a:t>
+                      </a:r>
+                    </a:p>
+                  </a:txBody>
+                  <a:tcPr/>
+                </a:tc>
+                <a:tc>
+                  <a:txBody>
+                    <a:bodyPr/>
+                    <a:lstStyle/>
+                    <a:p>
+                      <a:pPr latinLnBrk="1"/>
+                      <a:r>
+                        <a:rPr lang="en-US" altLang="ko-KR" sz="1200" dirty="0"/>
+                        <a:t>Firebase </a:t>
+                      </a:r>
+                      <a:r>
+                        <a:rPr lang="en-US" altLang="ko-KR" sz="1200" dirty="0" err="1"/>
+                        <a:t>Auth</a:t>
                       </a:r>
                       <a:endParaRPr lang="ko-KR" altLang="en-US" sz="1200" dirty="0"/>
                     </a:p>
                   </a:txBody>
                   <a:tcPr/>
                 </a:tc>
-                <a:tc>
-                  <a:txBody>
-                    <a:bodyPr/>
-                    <a:lstStyle/>
-                    <a:p>
-                      <a:pPr latinLnBrk="1"/>
-                      <a:r>
-                        <a:rPr lang="ko-KR" altLang="en-US" sz="1200" dirty="0" smtClean="0"/>
-                        <a:t>상</a:t>
-                      </a:r>
-                      <a:endParaRPr lang="ko-KR" altLang="en-US" sz="1200" dirty="0"/>
-                    </a:p>
-                  </a:txBody>
-                  <a:tcPr/>
-                </a:tc>
-                <a:tc>
-                  <a:txBody>
-                    <a:bodyPr/>
-                    <a:lstStyle/>
-                    <a:p>
-                      <a:pPr latinLnBrk="1"/>
-                      <a:r>
-                        <a:rPr lang="en-US" altLang="ko-KR" sz="1200" dirty="0" smtClean="0"/>
-                        <a:t>Firebase </a:t>
-                      </a:r>
-                      <a:r>
-                        <a:rPr lang="en-US" altLang="ko-KR" sz="1200" dirty="0" err="1" smtClean="0"/>
-                        <a:t>Auth</a:t>
-                      </a:r>
-                      <a:endParaRPr lang="ko-KR" altLang="en-US" sz="1200" dirty="0"/>
-                    </a:p>
-                  </a:txBody>
-                  <a:tcPr/>
-                </a:tc>
+                <a:extLst>
+                  <a:ext uri="{0D108BD9-81ED-4DB2-BD59-A6C34878D82A}">
+                    <a16:rowId xmlns:a16="http://schemas.microsoft.com/office/drawing/2014/main" val="10002"/>
+                  </a:ext>
+                </a:extLst>
               </a:tr>
               <a:tr h="370840">
                 <a:tc>
@@ -4261,7 +4271,7 @@
                     <a:p>
                       <a:pPr latinLnBrk="1"/>
                       <a:r>
-                        <a:rPr lang="en-US" altLang="ko-KR" sz="1200" dirty="0" smtClean="0"/>
+                        <a:rPr lang="en-US" altLang="ko-KR" sz="1200" dirty="0"/>
                         <a:t>A3</a:t>
                       </a:r>
                       <a:endParaRPr lang="ko-KR" altLang="en-US" sz="1200" dirty="0"/>
@@ -4276,9 +4286,53 @@
                     <a:p>
                       <a:pPr latinLnBrk="1"/>
                       <a:r>
-                        <a:rPr lang="ko-KR" altLang="en-US" sz="1200" dirty="0" smtClean="0"/>
+                        <a:rPr lang="ko-KR" altLang="en-US" sz="1200" dirty="0"/>
                         <a:t>로그인</a:t>
                       </a:r>
+                    </a:p>
+                  </a:txBody>
+                  <a:tcPr/>
+                </a:tc>
+                <a:tc>
+                  <a:txBody>
+                    <a:bodyPr/>
+                    <a:lstStyle/>
+                    <a:p>
+                      <a:pPr latinLnBrk="1"/>
+                      <a:r>
+                        <a:rPr lang="ko-KR" altLang="en-US" sz="1200" dirty="0"/>
+                        <a:t>로그인</a:t>
+                      </a:r>
+                    </a:p>
+                  </a:txBody>
+                  <a:tcPr/>
+                </a:tc>
+                <a:tc>
+                  <a:txBody>
+                    <a:bodyPr/>
+                    <a:lstStyle/>
+                    <a:p>
+                      <a:pPr latinLnBrk="1"/>
+                      <a:r>
+                        <a:rPr lang="en-US" altLang="ko-KR" sz="1200" dirty="0"/>
+                        <a:t>ID </a:t>
+                      </a:r>
+                      <a:r>
+                        <a:rPr lang="ko-KR" altLang="en-US" sz="1200" dirty="0"/>
+                        <a:t>와 비밀번호 </a:t>
+                      </a:r>
+                      <a:r>
+                        <a:rPr lang="ko-KR" altLang="en-US" sz="1200" dirty="0" err="1"/>
+                        <a:t>매칭을</a:t>
+                      </a:r>
+                      <a:r>
+                        <a:rPr lang="ko-KR" altLang="en-US" sz="1200" dirty="0"/>
+                        <a:t> 통해 계정에 접속한다</a:t>
+                      </a:r>
+                      <a:r>
+                        <a:rPr lang="en-US" altLang="ko-KR" sz="1200" dirty="0"/>
+                        <a:t>.</a:t>
+                      </a:r>
                       <a:endParaRPr lang="ko-KR" altLang="en-US" sz="1200" dirty="0"/>
                     </a:p>
                   </a:txBody>
@@ -4291,79 +4345,37 @@
                     <a:p>
                       <a:pPr latinLnBrk="1"/>
                       <a:r>
-                        <a:rPr lang="ko-KR" altLang="en-US" sz="1200" dirty="0" smtClean="0"/>
-                        <a:t>로그인</a:t>
+                        <a:rPr lang="ko-KR" altLang="en-US" sz="1200" dirty="0"/>
+                        <a:t>상</a:t>
+                      </a:r>
+                    </a:p>
+                  </a:txBody>
+                  <a:tcPr/>
+                </a:tc>
+                <a:tc>
+                  <a:txBody>
+                    <a:bodyPr/>
+                    <a:lstStyle/>
+                    <a:p>
+                      <a:pPr latinLnBrk="1"/>
+                      <a:r>
+                        <a:rPr lang="en-US" altLang="ko-KR" sz="1200" dirty="0"/>
+                        <a:t>Firebase </a:t>
+                      </a:r>
+                      <a:r>
+                        <a:rPr lang="en-US" altLang="ko-KR" sz="1200" dirty="0" err="1"/>
+                        <a:t>Auth</a:t>
                       </a:r>
                       <a:endParaRPr lang="ko-KR" altLang="en-US" sz="1200" dirty="0"/>
                     </a:p>
                   </a:txBody>
                   <a:tcPr/>
                 </a:tc>
-                <a:tc>
-                  <a:txBody>
-                    <a:bodyPr/>
-                    <a:lstStyle/>
-                    <a:p>
-                      <a:pPr latinLnBrk="1"/>
-                      <a:r>
-                        <a:rPr lang="en-US" altLang="ko-KR" sz="1200" dirty="0" smtClean="0"/>
-                        <a:t>ID </a:t>
-                      </a:r>
-                      <a:r>
-                        <a:rPr lang="ko-KR" altLang="en-US" sz="1200" dirty="0" smtClean="0"/>
-                        <a:t>와 비밀번호 </a:t>
-                      </a:r>
-                      <a:r>
-                        <a:rPr lang="ko-KR" altLang="en-US" sz="1200" dirty="0" err="1" smtClean="0"/>
-                        <a:t>매칭을</a:t>
-                      </a:r>
-                      <a:r>
-                        <a:rPr lang="ko-KR" altLang="en-US" sz="1200" dirty="0" smtClean="0"/>
-                        <a:t> 통해 계정에 접속한다</a:t>
-                      </a:r>
-                      <a:r>
-                        <a:rPr lang="en-US" altLang="ko-KR" sz="1200" dirty="0" smtClean="0"/>
-                        <a:t>.</a:t>
-                      </a:r>
-                      <a:endParaRPr lang="ko-KR" altLang="en-US" sz="1200" dirty="0"/>
-                    </a:p>
-                  </a:txBody>
-                  <a:tcPr/>
-                </a:tc>
-                <a:tc>
-                  <a:txBody>
-                    <a:bodyPr/>
-                    <a:lstStyle/>
-                    <a:p>
-                      <a:pPr latinLnBrk="1"/>
-                      <a:r>
-                        <a:rPr lang="ko-KR" altLang="en-US" sz="1200" dirty="0" smtClean="0"/>
-                        <a:t>상</a:t>
-                      </a:r>
-                      <a:endParaRPr lang="ko-KR" altLang="en-US" sz="1200" dirty="0"/>
-                    </a:p>
-                  </a:txBody>
-                  <a:tcPr/>
-                </a:tc>
-                <a:tc>
-                  <a:txBody>
-                    <a:bodyPr/>
-                    <a:lstStyle/>
-                    <a:p>
-                      <a:pPr latinLnBrk="1"/>
-                      <a:r>
-                        <a:rPr lang="en-US" altLang="ko-KR" sz="1200" dirty="0" smtClean="0"/>
-                        <a:t>Firebase </a:t>
-                      </a:r>
-                      <a:r>
-                        <a:rPr lang="en-US" altLang="ko-KR" sz="1200" dirty="0" err="1" smtClean="0"/>
-                        <a:t>Auth</a:t>
-                      </a:r>
-                      <a:endParaRPr lang="ko-KR" altLang="en-US" sz="1200" dirty="0"/>
-                    </a:p>
-                  </a:txBody>
-                  <a:tcPr/>
-                </a:tc>
+                <a:extLst>
+                  <a:ext uri="{0D108BD9-81ED-4DB2-BD59-A6C34878D82A}">
+                    <a16:rowId xmlns:a16="http://schemas.microsoft.com/office/drawing/2014/main" val="10003"/>
+                  </a:ext>
+                </a:extLst>
               </a:tr>
               <a:tr h="370840">
                 <a:tc>
@@ -4373,7 +4385,7 @@
                     <a:p>
                       <a:pPr latinLnBrk="1"/>
                       <a:r>
-                        <a:rPr lang="en-US" altLang="ko-KR" sz="1200" dirty="0" smtClean="0"/>
+                        <a:rPr lang="en-US" altLang="ko-KR" sz="1200" dirty="0"/>
                         <a:t>A4</a:t>
                       </a:r>
                       <a:endParaRPr lang="ko-KR" altLang="en-US" sz="1200" dirty="0"/>
@@ -4388,9 +4400,23 @@
                     <a:p>
                       <a:pPr latinLnBrk="1"/>
                       <a:r>
-                        <a:rPr lang="ko-KR" altLang="en-US" sz="1200" dirty="0" smtClean="0"/>
+                        <a:rPr lang="ko-KR" altLang="en-US" sz="1200" dirty="0"/>
                         <a:t>친구관계설정</a:t>
                       </a:r>
+                    </a:p>
+                  </a:txBody>
+                  <a:tcPr/>
+                </a:tc>
+                <a:tc>
+                  <a:txBody>
+                    <a:bodyPr/>
+                    <a:lstStyle/>
+                    <a:p>
+                      <a:pPr latinLnBrk="1"/>
+                      <a:r>
+                        <a:rPr lang="ko-KR" altLang="en-US" sz="1200" dirty="0" err="1"/>
+                        <a:t>팔로우</a:t>
+                      </a:r>
                       <a:endParaRPr lang="ko-KR" altLang="en-US" sz="1200" dirty="0"/>
                     </a:p>
                   </a:txBody>
@@ -4403,8 +4429,12 @@
                     <a:p>
                       <a:pPr latinLnBrk="1"/>
                       <a:r>
-                        <a:rPr lang="ko-KR" altLang="en-US" sz="1200" dirty="0" err="1" smtClean="0"/>
-                        <a:t>팔로우</a:t>
+                        <a:rPr lang="ko-KR" altLang="en-US" sz="1200" dirty="0"/>
+                        <a:t>상대방에 게시물을 볼 수 있도록 한다</a:t>
+                      </a:r>
+                      <a:r>
+                        <a:rPr lang="en-US" altLang="ko-KR" sz="1200" dirty="0"/>
+                        <a:t>.</a:t>
                       </a:r>
                       <a:endParaRPr lang="ko-KR" altLang="en-US" sz="1200" dirty="0"/>
                     </a:p>
@@ -4418,47 +4448,32 @@
                     <a:p>
                       <a:pPr latinLnBrk="1"/>
                       <a:r>
-                        <a:rPr lang="ko-KR" altLang="en-US" sz="1200" dirty="0" smtClean="0"/>
-                        <a:t>상대방에 게시물을 볼 수 있도록 한다</a:t>
-                      </a:r>
-                      <a:r>
-                        <a:rPr lang="en-US" altLang="ko-KR" sz="1200" dirty="0" smtClean="0"/>
-                        <a:t>.</a:t>
-                      </a:r>
-                      <a:endParaRPr lang="ko-KR" altLang="en-US" sz="1200" dirty="0"/>
-                    </a:p>
-                  </a:txBody>
-                  <a:tcPr/>
-                </a:tc>
-                <a:tc>
-                  <a:txBody>
-                    <a:bodyPr/>
-                    <a:lstStyle/>
-                    <a:p>
-                      <a:pPr latinLnBrk="1"/>
-                      <a:r>
-                        <a:rPr lang="ko-KR" altLang="en-US" sz="1200" dirty="0" smtClean="0"/>
+                        <a:rPr lang="ko-KR" altLang="en-US" sz="1200" dirty="0"/>
                         <a:t>상</a:t>
                       </a:r>
-                      <a:endParaRPr lang="ko-KR" altLang="en-US" sz="1200" dirty="0"/>
-                    </a:p>
-                  </a:txBody>
-                  <a:tcPr/>
-                </a:tc>
-                <a:tc>
-                  <a:txBody>
-                    <a:bodyPr/>
-                    <a:lstStyle/>
-                    <a:p>
-                      <a:pPr latinLnBrk="1"/>
-                      <a:r>
-                        <a:rPr lang="en-US" altLang="ko-KR" sz="1200" dirty="0" smtClean="0"/>
+                    </a:p>
+                  </a:txBody>
+                  <a:tcPr/>
+                </a:tc>
+                <a:tc>
+                  <a:txBody>
+                    <a:bodyPr/>
+                    <a:lstStyle/>
+                    <a:p>
+                      <a:pPr latinLnBrk="1"/>
+                      <a:r>
+                        <a:rPr lang="en-US" altLang="ko-KR" sz="1200" dirty="0"/>
                         <a:t>Firebase Database</a:t>
                       </a:r>
                     </a:p>
                   </a:txBody>
                   <a:tcPr/>
                 </a:tc>
+                <a:extLst>
+                  <a:ext uri="{0D108BD9-81ED-4DB2-BD59-A6C34878D82A}">
+                    <a16:rowId xmlns:a16="http://schemas.microsoft.com/office/drawing/2014/main" val="10004"/>
+                  </a:ext>
+                </a:extLst>
               </a:tr>
               <a:tr h="262632">
                 <a:tc>
@@ -4468,7 +4483,7 @@
                     <a:p>
                       <a:pPr latinLnBrk="1"/>
                       <a:r>
-                        <a:rPr lang="en-US" altLang="ko-KR" sz="1200" dirty="0" smtClean="0"/>
+                        <a:rPr lang="en-US" altLang="ko-KR" sz="1200" dirty="0"/>
                         <a:t>A5</a:t>
                       </a:r>
                       <a:endParaRPr lang="ko-KR" altLang="en-US" sz="1200" dirty="0"/>
@@ -4483,7 +4498,7 @@
                     <a:p>
                       <a:pPr latinLnBrk="1"/>
                       <a:r>
-                        <a:rPr lang="ko-KR" altLang="en-US" sz="1200" dirty="0" err="1" smtClean="0"/>
+                        <a:rPr lang="ko-KR" altLang="en-US" sz="1200" dirty="0" err="1"/>
                         <a:t>게시물포스팅</a:t>
                       </a:r>
                       <a:endParaRPr lang="ko-KR" altLang="en-US" sz="1200" dirty="0"/>
@@ -4498,9 +4513,27 @@
                     <a:p>
                       <a:pPr latinLnBrk="1"/>
                       <a:r>
-                        <a:rPr lang="ko-KR" altLang="en-US" sz="1200" dirty="0" smtClean="0"/>
+                        <a:rPr lang="ko-KR" altLang="en-US" sz="1200" dirty="0"/>
                         <a:t>새 게시물</a:t>
                       </a:r>
+                    </a:p>
+                  </a:txBody>
+                  <a:tcPr/>
+                </a:tc>
+                <a:tc>
+                  <a:txBody>
+                    <a:bodyPr/>
+                    <a:lstStyle/>
+                    <a:p>
+                      <a:pPr latinLnBrk="1"/>
+                      <a:r>
+                        <a:rPr lang="ko-KR" altLang="en-US" sz="1200" dirty="0"/>
+                        <a:t>새로운 게시물을 생성한다</a:t>
+                      </a:r>
+                      <a:r>
+                        <a:rPr lang="en-US" altLang="ko-KR" sz="1200" dirty="0"/>
+                        <a:t>.</a:t>
+                      </a:r>
                       <a:endParaRPr lang="ko-KR" altLang="en-US" sz="1200" dirty="0"/>
                     </a:p>
                   </a:txBody>
@@ -4513,59 +4546,44 @@
                     <a:p>
                       <a:pPr latinLnBrk="1"/>
                       <a:r>
-                        <a:rPr lang="ko-KR" altLang="en-US" sz="1200" dirty="0" smtClean="0"/>
-                        <a:t>새로운 게시물을 생성한다</a:t>
-                      </a:r>
-                      <a:r>
-                        <a:rPr lang="en-US" altLang="ko-KR" sz="1200" dirty="0" smtClean="0"/>
-                        <a:t>.</a:t>
+                        <a:rPr lang="ko-KR" altLang="en-US" sz="1200" dirty="0"/>
+                        <a:t>상</a:t>
+                      </a:r>
+                    </a:p>
+                  </a:txBody>
+                  <a:tcPr/>
+                </a:tc>
+                <a:tc>
+                  <a:txBody>
+                    <a:bodyPr/>
+                    <a:lstStyle/>
+                    <a:p>
+                      <a:pPr latinLnBrk="1"/>
+                      <a:r>
+                        <a:rPr lang="en-US" altLang="ko-KR" sz="1200" dirty="0"/>
+                        <a:t>Firebase Database,</a:t>
+                      </a:r>
+                    </a:p>
+                    <a:p>
+                      <a:pPr latinLnBrk="1"/>
+                      <a:r>
+                        <a:rPr lang="en-US" altLang="ko-KR" sz="1200" dirty="0"/>
+                        <a:t>Storage</a:t>
                       </a:r>
                       <a:endParaRPr lang="ko-KR" altLang="en-US" sz="1200" dirty="0"/>
                     </a:p>
-                  </a:txBody>
-                  <a:tcPr/>
-                </a:tc>
-                <a:tc>
-                  <a:txBody>
-                    <a:bodyPr/>
-                    <a:lstStyle/>
-                    <a:p>
-                      <a:pPr latinLnBrk="1"/>
-                      <a:r>
-                        <a:rPr lang="ko-KR" altLang="en-US" sz="1200" dirty="0" smtClean="0"/>
-                        <a:t>상</a:t>
-                      </a:r>
+                    <a:p>
+                      <a:pPr latinLnBrk="1"/>
                       <a:endParaRPr lang="ko-KR" altLang="en-US" sz="1200" dirty="0"/>
                     </a:p>
                   </a:txBody>
                   <a:tcPr/>
                 </a:tc>
-                <a:tc>
-                  <a:txBody>
-                    <a:bodyPr/>
-                    <a:lstStyle/>
-                    <a:p>
-                      <a:pPr latinLnBrk="1"/>
-                      <a:r>
-                        <a:rPr lang="en-US" altLang="ko-KR" sz="1200" dirty="0" smtClean="0"/>
-                        <a:t>Firebase Database,</a:t>
-                      </a:r>
-                    </a:p>
-                    <a:p>
-                      <a:pPr latinLnBrk="1"/>
-                      <a:r>
-                        <a:rPr lang="en-US" altLang="ko-KR" sz="1200" dirty="0" smtClean="0"/>
-                        <a:t>Storage</a:t>
-                      </a:r>
-                      <a:endParaRPr lang="ko-KR" altLang="en-US" sz="1200" dirty="0" smtClean="0"/>
-                    </a:p>
-                    <a:p>
-                      <a:pPr latinLnBrk="1"/>
-                      <a:endParaRPr lang="ko-KR" altLang="en-US" sz="1200" dirty="0"/>
-                    </a:p>
-                  </a:txBody>
-                  <a:tcPr/>
-                </a:tc>
+                <a:extLst>
+                  <a:ext uri="{0D108BD9-81ED-4DB2-BD59-A6C34878D82A}">
+                    <a16:rowId xmlns:a16="http://schemas.microsoft.com/office/drawing/2014/main" val="10005"/>
+                  </a:ext>
+                </a:extLst>
               </a:tr>
               <a:tr h="262632">
                 <a:tc>
@@ -4575,7 +4593,7 @@
                     <a:p>
                       <a:pPr latinLnBrk="1"/>
                       <a:r>
-                        <a:rPr lang="en-US" altLang="ko-KR" sz="1200" dirty="0" smtClean="0"/>
+                        <a:rPr lang="en-US" altLang="ko-KR" sz="1200" dirty="0"/>
                         <a:t>A6</a:t>
                       </a:r>
                       <a:endParaRPr lang="ko-KR" altLang="en-US" sz="1200" dirty="0"/>
@@ -4600,10 +4618,9 @@
                     <a:p>
                       <a:pPr latinLnBrk="1"/>
                       <a:r>
-                        <a:rPr lang="ko-KR" altLang="en-US" sz="1200" dirty="0" smtClean="0"/>
+                        <a:rPr lang="ko-KR" altLang="en-US" sz="1200" dirty="0"/>
                         <a:t>친구의 게시물 보기</a:t>
                       </a:r>
-                      <a:endParaRPr lang="ko-KR" altLang="en-US" sz="1200" dirty="0"/>
                     </a:p>
                   </a:txBody>
                   <a:tcPr>
@@ -4625,11 +4642,11 @@
                     <a:p>
                       <a:pPr latinLnBrk="1"/>
                       <a:r>
-                        <a:rPr lang="ko-KR" altLang="en-US" sz="1200" dirty="0" smtClean="0"/>
+                        <a:rPr lang="ko-KR" altLang="en-US" sz="1200" dirty="0"/>
                         <a:t>게시물 </a:t>
                       </a:r>
                       <a:r>
-                        <a:rPr lang="ko-KR" altLang="en-US" sz="1200" dirty="0" err="1" smtClean="0"/>
+                        <a:rPr lang="ko-KR" altLang="en-US" sz="1200" dirty="0" err="1"/>
                         <a:t>뷰</a:t>
                       </a:r>
                       <a:endParaRPr lang="ko-KR" altLang="en-US" sz="1200" dirty="0"/>
@@ -4654,42 +4671,13 @@
                     <a:p>
                       <a:pPr latinLnBrk="1"/>
                       <a:r>
-                        <a:rPr lang="ko-KR" altLang="en-US" sz="1200" dirty="0" err="1" smtClean="0"/>
+                        <a:rPr lang="ko-KR" altLang="en-US" sz="1200" dirty="0" err="1"/>
                         <a:t>팔로우된</a:t>
                       </a:r>
                       <a:r>
-                        <a:rPr lang="ko-KR" altLang="en-US" sz="1200" dirty="0" smtClean="0"/>
+                        <a:rPr lang="ko-KR" altLang="en-US" sz="1200" dirty="0"/>
                         <a:t> 계정의 게시물을 모아서 화면에 보여준다</a:t>
                       </a:r>
-                      <a:endParaRPr lang="en-US" altLang="ko-KR" sz="1200" dirty="0" smtClean="0"/>
-                    </a:p>
-                    <a:p>
-                      <a:pPr latinLnBrk="1"/>
-                      <a:r>
-                        <a:rPr lang="en-US" altLang="ko-KR" sz="1200" dirty="0" smtClean="0"/>
-                        <a:t>10</a:t>
-                      </a:r>
-                      <a:r>
-                        <a:rPr lang="ko-KR" altLang="en-US" sz="1200" dirty="0" err="1" smtClean="0"/>
-                        <a:t>분후에</a:t>
-                      </a:r>
-                      <a:r>
-                        <a:rPr lang="ko-KR" altLang="en-US" sz="1200" dirty="0" smtClean="0"/>
-                        <a:t> 자동으로 게시물 </a:t>
-                      </a:r>
-                      <a:r>
-                        <a:rPr lang="ko-KR" altLang="en-US" sz="1200" dirty="0" err="1" smtClean="0"/>
-                        <a:t>새로고침</a:t>
-                      </a:r>
-                      <a:r>
-                        <a:rPr lang="ko-KR" altLang="en-US" sz="1200" dirty="0" smtClean="0"/>
-                        <a:t> 한다</a:t>
-                      </a:r>
-                      <a:r>
-                        <a:rPr lang="en-US" altLang="ko-KR" sz="1200" dirty="0" smtClean="0"/>
-                        <a:t>.</a:t>
-                      </a:r>
-                      <a:endParaRPr lang="ko-KR" altLang="en-US" sz="1200" dirty="0"/>
                     </a:p>
                   </a:txBody>
                   <a:tcPr>
@@ -4711,10 +4699,9 @@
                     <a:p>
                       <a:pPr latinLnBrk="1"/>
                       <a:r>
-                        <a:rPr lang="ko-KR" altLang="en-US" sz="1200" dirty="0" smtClean="0"/>
+                        <a:rPr lang="ko-KR" altLang="en-US" sz="1200" dirty="0"/>
                         <a:t>상</a:t>
                       </a:r>
-                      <a:endParaRPr lang="ko-KR" altLang="en-US" sz="1200" dirty="0"/>
                     </a:p>
                   </a:txBody>
                   <a:tcPr>
@@ -4736,17 +4723,17 @@
                     <a:p>
                       <a:pPr latinLnBrk="1"/>
                       <a:r>
-                        <a:rPr lang="en-US" altLang="ko-KR" sz="1200" dirty="0" smtClean="0"/>
+                        <a:rPr lang="en-US" altLang="ko-KR" sz="1200" dirty="0"/>
                         <a:t>Firebase Database,</a:t>
                       </a:r>
                     </a:p>
                     <a:p>
                       <a:pPr latinLnBrk="1"/>
                       <a:r>
-                        <a:rPr lang="en-US" altLang="ko-KR" sz="1200" dirty="0" smtClean="0"/>
+                        <a:rPr lang="en-US" altLang="ko-KR" sz="1200" dirty="0"/>
                         <a:t>Storage</a:t>
                       </a:r>
-                      <a:endParaRPr lang="ko-KR" altLang="en-US" sz="1200" dirty="0" smtClean="0"/>
+                      <a:endParaRPr lang="ko-KR" altLang="en-US" sz="1200" dirty="0"/>
                     </a:p>
                     <a:p>
                       <a:pPr latinLnBrk="1"/>
@@ -4765,6 +4752,11 @@
                     </a:lnB>
                   </a:tcPr>
                 </a:tc>
+                <a:extLst>
+                  <a:ext uri="{0D108BD9-81ED-4DB2-BD59-A6C34878D82A}">
+                    <a16:rowId xmlns:a16="http://schemas.microsoft.com/office/drawing/2014/main" val="10006"/>
+                  </a:ext>
+                </a:extLst>
               </a:tr>
             </a:tbl>
           </a:graphicData>
@@ -4823,10 +4815,9 @@
           <a:lstStyle/>
           <a:p>
             <a:r>
-              <a:rPr lang="ko-KR" altLang="en-US" sz="3600" dirty="0" smtClean="0"/>
+              <a:rPr lang="ko-KR" altLang="en-US" sz="3600" dirty="0"/>
               <a:t>비기능적 요구사항</a:t>
             </a:r>
-            <a:endParaRPr lang="ko-KR" altLang="en-US" sz="3600" dirty="0"/>
           </a:p>
         </p:txBody>
       </p:sp>
@@ -4840,14 +4831,14 @@
             <p:ph idx="1"/>
             <p:extLst>
               <p:ext uri="{D42A27DB-BD31-4B8C-83A1-F6EECF244321}">
-                <p14:modId xmlns:p14="http://schemas.microsoft.com/office/powerpoint/2010/main" val="1542879612"/>
+                <p14:modId xmlns:p14="http://schemas.microsoft.com/office/powerpoint/2010/main" val="3615055890"/>
               </p:ext>
             </p:extLst>
           </p:nvPr>
         </p:nvGraphicFramePr>
         <p:xfrm>
           <a:off x="539552" y="1268760"/>
-          <a:ext cx="8229600" cy="2758440"/>
+          <a:ext cx="8229600" cy="2611120"/>
         </p:xfrm>
         <a:graphic>
           <a:graphicData uri="http://schemas.openxmlformats.org/drawingml/2006/table">
@@ -4856,12 +4847,48 @@
                 <a:tableStyleId>{5C22544A-7EE6-4342-B048-85BDC9FD1C3A}</a:tableStyleId>
               </a:tblPr>
               <a:tblGrid>
-                <a:gridCol w="1371600"/>
-                <a:gridCol w="1591072"/>
-                <a:gridCol w="1224136"/>
-                <a:gridCol w="1872208"/>
-                <a:gridCol w="1152128"/>
-                <a:gridCol w="1018456"/>
+                <a:gridCol w="1371600">
+                  <a:extLst>
+                    <a:ext uri="{9D8B030D-6E8A-4147-A177-3AD203B41FA5}">
+                      <a16:colId xmlns:a16="http://schemas.microsoft.com/office/drawing/2014/main" val="20000"/>
+                    </a:ext>
+                  </a:extLst>
+                </a:gridCol>
+                <a:gridCol w="1591072">
+                  <a:extLst>
+                    <a:ext uri="{9D8B030D-6E8A-4147-A177-3AD203B41FA5}">
+                      <a16:colId xmlns:a16="http://schemas.microsoft.com/office/drawing/2014/main" val="20001"/>
+                    </a:ext>
+                  </a:extLst>
+                </a:gridCol>
+                <a:gridCol w="1224136">
+                  <a:extLst>
+                    <a:ext uri="{9D8B030D-6E8A-4147-A177-3AD203B41FA5}">
+                      <a16:colId xmlns:a16="http://schemas.microsoft.com/office/drawing/2014/main" val="20002"/>
+                    </a:ext>
+                  </a:extLst>
+                </a:gridCol>
+                <a:gridCol w="1872208">
+                  <a:extLst>
+                    <a:ext uri="{9D8B030D-6E8A-4147-A177-3AD203B41FA5}">
+                      <a16:colId xmlns:a16="http://schemas.microsoft.com/office/drawing/2014/main" val="20003"/>
+                    </a:ext>
+                  </a:extLst>
+                </a:gridCol>
+                <a:gridCol w="1152128">
+                  <a:extLst>
+                    <a:ext uri="{9D8B030D-6E8A-4147-A177-3AD203B41FA5}">
+                      <a16:colId xmlns:a16="http://schemas.microsoft.com/office/drawing/2014/main" val="20004"/>
+                    </a:ext>
+                  </a:extLst>
+                </a:gridCol>
+                <a:gridCol w="1018456">
+                  <a:extLst>
+                    <a:ext uri="{9D8B030D-6E8A-4147-A177-3AD203B41FA5}">
+                      <a16:colId xmlns:a16="http://schemas.microsoft.com/office/drawing/2014/main" val="20005"/>
+                    </a:ext>
+                  </a:extLst>
+                </a:gridCol>
               </a:tblGrid>
               <a:tr h="370840">
                 <a:tc>
@@ -4871,7 +4898,7 @@
                     <a:p>
                       <a:pPr latinLnBrk="1"/>
                       <a:r>
-                        <a:rPr lang="en-US" altLang="ko-KR" dirty="0" smtClean="0"/>
+                        <a:rPr lang="en-US" altLang="ko-KR" dirty="0"/>
                         <a:t>ID</a:t>
                       </a:r>
                       <a:endParaRPr lang="ko-KR" altLang="en-US" dirty="0"/>
@@ -4886,74 +4913,75 @@
                     <a:p>
                       <a:pPr latinLnBrk="1"/>
                       <a:r>
-                        <a:rPr lang="ko-KR" altLang="en-US" dirty="0" smtClean="0"/>
+                        <a:rPr lang="ko-KR" altLang="en-US" dirty="0"/>
                         <a:t>구분</a:t>
                       </a:r>
-                      <a:endParaRPr lang="ko-KR" altLang="en-US" dirty="0"/>
-                    </a:p>
-                  </a:txBody>
-                  <a:tcPr/>
-                </a:tc>
-                <a:tc>
-                  <a:txBody>
-                    <a:bodyPr/>
-                    <a:lstStyle/>
-                    <a:p>
-                      <a:pPr latinLnBrk="1"/>
-                      <a:r>
-                        <a:rPr lang="ko-KR" altLang="en-US" dirty="0" smtClean="0"/>
+                    </a:p>
+                  </a:txBody>
+                  <a:tcPr/>
+                </a:tc>
+                <a:tc>
+                  <a:txBody>
+                    <a:bodyPr/>
+                    <a:lstStyle/>
+                    <a:p>
+                      <a:pPr latinLnBrk="1"/>
+                      <a:r>
+                        <a:rPr lang="ko-KR" altLang="en-US" dirty="0"/>
                         <a:t>기능이름</a:t>
                       </a:r>
-                      <a:endParaRPr lang="en-US" altLang="ko-KR" dirty="0" smtClean="0"/>
-                    </a:p>
-                  </a:txBody>
-                  <a:tcPr/>
-                </a:tc>
-                <a:tc>
-                  <a:txBody>
-                    <a:bodyPr/>
-                    <a:lstStyle/>
-                    <a:p>
-                      <a:pPr latinLnBrk="1"/>
-                      <a:r>
-                        <a:rPr lang="ko-KR" altLang="en-US" dirty="0" smtClean="0"/>
+                      <a:endParaRPr lang="en-US" altLang="ko-KR" dirty="0"/>
+                    </a:p>
+                  </a:txBody>
+                  <a:tcPr/>
+                </a:tc>
+                <a:tc>
+                  <a:txBody>
+                    <a:bodyPr/>
+                    <a:lstStyle/>
+                    <a:p>
+                      <a:pPr latinLnBrk="1"/>
+                      <a:r>
+                        <a:rPr lang="ko-KR" altLang="en-US" dirty="0"/>
                         <a:t>기능설명</a:t>
                       </a:r>
-                      <a:endParaRPr lang="ko-KR" altLang="en-US" dirty="0"/>
-                    </a:p>
-                  </a:txBody>
-                  <a:tcPr/>
-                </a:tc>
-                <a:tc>
-                  <a:txBody>
-                    <a:bodyPr/>
-                    <a:lstStyle/>
-                    <a:p>
-                      <a:pPr latinLnBrk="1"/>
-                      <a:r>
-                        <a:rPr lang="ko-KR" altLang="en-US" dirty="0" smtClean="0"/>
+                    </a:p>
+                  </a:txBody>
+                  <a:tcPr/>
+                </a:tc>
+                <a:tc>
+                  <a:txBody>
+                    <a:bodyPr/>
+                    <a:lstStyle/>
+                    <a:p>
+                      <a:pPr latinLnBrk="1"/>
+                      <a:r>
+                        <a:rPr lang="ko-KR" altLang="en-US" dirty="0"/>
                         <a:t>우선순위</a:t>
                       </a:r>
-                      <a:endParaRPr lang="ko-KR" altLang="en-US" dirty="0"/>
-                    </a:p>
-                  </a:txBody>
-                  <a:tcPr/>
-                </a:tc>
-                <a:tc>
-                  <a:txBody>
-                    <a:bodyPr/>
-                    <a:lstStyle/>
-                    <a:p>
-                      <a:pPr latinLnBrk="1"/>
-                      <a:r>
-                        <a:rPr lang="ko-KR" altLang="en-US" dirty="0" smtClean="0"/>
+                    </a:p>
+                  </a:txBody>
+                  <a:tcPr/>
+                </a:tc>
+                <a:tc>
+                  <a:txBody>
+                    <a:bodyPr/>
+                    <a:lstStyle/>
+                    <a:p>
+                      <a:pPr latinLnBrk="1"/>
+                      <a:r>
+                        <a:rPr lang="ko-KR" altLang="en-US" dirty="0"/>
                         <a:t>비고</a:t>
                       </a:r>
-                      <a:endParaRPr lang="ko-KR" altLang="en-US" dirty="0"/>
-                    </a:p>
-                  </a:txBody>
-                  <a:tcPr/>
-                </a:tc>
+                    </a:p>
+                  </a:txBody>
+                  <a:tcPr/>
+                </a:tc>
+                <a:extLst>
+                  <a:ext uri="{0D108BD9-81ED-4DB2-BD59-A6C34878D82A}">
+                    <a16:rowId xmlns:a16="http://schemas.microsoft.com/office/drawing/2014/main" val="10000"/>
+                  </a:ext>
+                </a:extLst>
               </a:tr>
               <a:tr h="370840">
                 <a:tc>
@@ -4963,7 +4991,7 @@
                     <a:p>
                       <a:pPr latinLnBrk="1"/>
                       <a:r>
-                        <a:rPr lang="en-US" altLang="ko-KR" sz="1400" dirty="0" smtClean="0"/>
+                        <a:rPr lang="en-US" altLang="ko-KR" sz="1400" dirty="0"/>
                         <a:t>B1</a:t>
                       </a:r>
                       <a:endParaRPr lang="ko-KR" altLang="en-US" sz="1400" dirty="0"/>
@@ -4978,98 +5006,75 @@
                     <a:p>
                       <a:pPr latinLnBrk="1"/>
                       <a:r>
-                        <a:rPr lang="ko-KR" altLang="en-US" sz="1400" dirty="0" smtClean="0"/>
-                        <a:t>상호 </a:t>
-                      </a:r>
-                      <a:r>
-                        <a:rPr lang="ko-KR" altLang="en-US" sz="1400" dirty="0" err="1" smtClean="0"/>
-                        <a:t>운용성</a:t>
-                      </a:r>
-                      <a:r>
-                        <a:rPr lang="ko-KR" altLang="en-US" sz="1400" dirty="0" smtClean="0"/>
-                        <a:t> 요구사항</a:t>
-                      </a:r>
+                        <a:rPr lang="ko-KR" altLang="en-US" sz="1400" dirty="0"/>
+                        <a:t>윤리적 요구사항</a:t>
+                      </a:r>
+                    </a:p>
+                  </a:txBody>
+                  <a:tcPr/>
+                </a:tc>
+                <a:tc>
+                  <a:txBody>
+                    <a:bodyPr/>
+                    <a:lstStyle/>
+                    <a:p>
+                      <a:pPr latinLnBrk="1"/>
+                      <a:r>
+                        <a:rPr lang="ko-KR" altLang="en-US" sz="1400" dirty="0"/>
+                        <a:t>윤리적 요구</a:t>
+                      </a:r>
+                    </a:p>
+                  </a:txBody>
+                  <a:tcPr/>
+                </a:tc>
+                <a:tc>
+                  <a:txBody>
+                    <a:bodyPr/>
+                    <a:lstStyle/>
+                    <a:p>
+                      <a:pPr latinLnBrk="1"/>
+                      <a:r>
+                        <a:rPr lang="en-US" altLang="ko-KR" sz="1400" dirty="0"/>
+                        <a:t>12</a:t>
+                      </a:r>
+                      <a:r>
+                        <a:rPr lang="ko-KR" altLang="en-US" sz="1400" dirty="0"/>
+                        <a:t>세 이상 사용가능</a:t>
+                      </a:r>
+                    </a:p>
+                  </a:txBody>
+                  <a:tcPr/>
+                </a:tc>
+                <a:tc>
+                  <a:txBody>
+                    <a:bodyPr/>
+                    <a:lstStyle/>
+                    <a:p>
+                      <a:pPr latinLnBrk="1"/>
+                      <a:r>
+                        <a:rPr lang="ko-KR" altLang="en-US" sz="1400" dirty="0"/>
+                        <a:t>상</a:t>
+                      </a:r>
+                    </a:p>
+                  </a:txBody>
+                  <a:tcPr/>
+                </a:tc>
+                <a:tc>
+                  <a:txBody>
+                    <a:bodyPr/>
+                    <a:lstStyle/>
+                    <a:p>
+                      <a:pPr latinLnBrk="1"/>
                       <a:endParaRPr lang="ko-KR" altLang="en-US" sz="1400" dirty="0"/>
                     </a:p>
                   </a:txBody>
                   <a:tcPr/>
                 </a:tc>
-                <a:tc>
-                  <a:txBody>
-                    <a:bodyPr/>
-                    <a:lstStyle/>
-                    <a:p>
-                      <a:pPr latinLnBrk="1"/>
-                      <a:r>
-                        <a:rPr lang="ko-KR" altLang="en-US" sz="1400" dirty="0" err="1" smtClean="0"/>
-                        <a:t>스마트워치</a:t>
-                      </a:r>
-                      <a:r>
-                        <a:rPr lang="ko-KR" altLang="en-US" sz="1400" dirty="0" smtClean="0"/>
-                        <a:t> 연동</a:t>
-                      </a:r>
-                      <a:endParaRPr lang="ko-KR" altLang="en-US" sz="1400" dirty="0"/>
-                    </a:p>
-                  </a:txBody>
-                  <a:tcPr/>
-                </a:tc>
-                <a:tc>
-                  <a:txBody>
-                    <a:bodyPr/>
-                    <a:lstStyle/>
-                    <a:p>
-                      <a:pPr latinLnBrk="1"/>
-                      <a:r>
-                        <a:rPr lang="ko-KR" altLang="en-US" sz="1400" dirty="0" smtClean="0"/>
-                        <a:t>스마트 </a:t>
-                      </a:r>
-                      <a:r>
-                        <a:rPr lang="ko-KR" altLang="en-US" sz="1400" dirty="0" err="1" smtClean="0"/>
-                        <a:t>워치</a:t>
-                      </a:r>
-                      <a:r>
-                        <a:rPr lang="ko-KR" altLang="en-US" sz="1400" dirty="0" smtClean="0"/>
-                        <a:t> </a:t>
-                      </a:r>
-                      <a:r>
-                        <a:rPr lang="ko-KR" altLang="en-US" sz="1400" dirty="0" err="1" smtClean="0"/>
-                        <a:t>연동시</a:t>
-                      </a:r>
-                      <a:r>
-                        <a:rPr lang="ko-KR" altLang="en-US" sz="1400" dirty="0" smtClean="0"/>
-                        <a:t> 데이터 연동</a:t>
-                      </a:r>
-                      <a:endParaRPr lang="ko-KR" altLang="en-US" sz="1400" dirty="0"/>
-                    </a:p>
-                  </a:txBody>
-                  <a:tcPr/>
-                </a:tc>
-                <a:tc>
-                  <a:txBody>
-                    <a:bodyPr/>
-                    <a:lstStyle/>
-                    <a:p>
-                      <a:pPr latinLnBrk="1"/>
-                      <a:r>
-                        <a:rPr lang="ko-KR" altLang="en-US" sz="1400" dirty="0" smtClean="0"/>
-                        <a:t>중</a:t>
-                      </a:r>
-                      <a:endParaRPr lang="ko-KR" altLang="en-US" sz="1400" dirty="0"/>
-                    </a:p>
-                  </a:txBody>
-                  <a:tcPr/>
-                </a:tc>
-                <a:tc>
-                  <a:txBody>
-                    <a:bodyPr/>
-                    <a:lstStyle/>
-                    <a:p>
-                      <a:pPr latinLnBrk="1"/>
-                      <a:endParaRPr lang="ko-KR" altLang="en-US" sz="1400" dirty="0"/>
-                    </a:p>
-                  </a:txBody>
-                  <a:tcPr/>
-                </a:tc>
+                <a:extLst>
+                  <a:ext uri="{0D108BD9-81ED-4DB2-BD59-A6C34878D82A}">
+                    <a16:rowId xmlns:a16="http://schemas.microsoft.com/office/drawing/2014/main" val="10001"/>
+                  </a:ext>
+                </a:extLst>
               </a:tr>
               <a:tr h="370840">
                 <a:tc>
@@ -5079,7 +5084,7 @@
                     <a:p>
                       <a:pPr latinLnBrk="1"/>
                       <a:r>
-                        <a:rPr lang="en-US" altLang="ko-KR" sz="1400" dirty="0" smtClean="0"/>
+                        <a:rPr lang="en-US" altLang="ko-KR" sz="1400" dirty="0"/>
                         <a:t>B2</a:t>
                       </a:r>
                       <a:endParaRPr lang="ko-KR" altLang="en-US" sz="1400" dirty="0"/>
@@ -5094,74 +5099,75 @@
                     <a:p>
                       <a:pPr latinLnBrk="1"/>
                       <a:r>
-                        <a:rPr lang="ko-KR" altLang="en-US" sz="1400" dirty="0" smtClean="0"/>
-                        <a:t>윤리적 요구사항</a:t>
-                      </a:r>
+                        <a:rPr lang="ko-KR" altLang="en-US" sz="1400" dirty="0" err="1"/>
+                        <a:t>사용성</a:t>
+                      </a:r>
+                      <a:r>
+                        <a:rPr lang="ko-KR" altLang="en-US" sz="1400" dirty="0"/>
+                        <a:t> 요구사항</a:t>
+                      </a:r>
+                    </a:p>
+                  </a:txBody>
+                  <a:tcPr/>
+                </a:tc>
+                <a:tc>
+                  <a:txBody>
+                    <a:bodyPr/>
+                    <a:lstStyle/>
+                    <a:p>
+                      <a:pPr latinLnBrk="1"/>
+                      <a:r>
+                        <a:rPr lang="ko-KR" altLang="en-US" sz="1400" dirty="0"/>
+                        <a:t>국어지원</a:t>
+                      </a:r>
+                    </a:p>
+                  </a:txBody>
+                  <a:tcPr/>
+                </a:tc>
+                <a:tc>
+                  <a:txBody>
+                    <a:bodyPr/>
+                    <a:lstStyle/>
+                    <a:p>
+                      <a:pPr latinLnBrk="1"/>
+                      <a:r>
+                        <a:rPr lang="ko-KR" altLang="en-US" sz="1400" dirty="0"/>
+                        <a:t>한국어 및 영어 지원</a:t>
+                      </a:r>
+                    </a:p>
+                  </a:txBody>
+                  <a:tcPr/>
+                </a:tc>
+                <a:tc>
+                  <a:txBody>
+                    <a:bodyPr/>
+                    <a:lstStyle/>
+                    <a:p>
+                      <a:pPr latinLnBrk="1"/>
+                      <a:r>
+                        <a:rPr lang="ko-KR" altLang="en-US" sz="1400" dirty="0"/>
+                        <a:t>상</a:t>
+                      </a:r>
+                    </a:p>
+                  </a:txBody>
+                  <a:tcPr/>
+                </a:tc>
+                <a:tc>
+                  <a:txBody>
+                    <a:bodyPr/>
+                    <a:lstStyle/>
+                    <a:p>
+                      <a:pPr latinLnBrk="1"/>
                       <a:endParaRPr lang="ko-KR" altLang="en-US" sz="1400" dirty="0"/>
                     </a:p>
                   </a:txBody>
                   <a:tcPr/>
                 </a:tc>
-                <a:tc>
-                  <a:txBody>
-                    <a:bodyPr/>
-                    <a:lstStyle/>
-                    <a:p>
-                      <a:pPr latinLnBrk="1"/>
-                      <a:r>
-                        <a:rPr lang="ko-KR" altLang="en-US" sz="1400" dirty="0" smtClean="0"/>
-                        <a:t>윤리적 요구</a:t>
-                      </a:r>
-                      <a:endParaRPr lang="ko-KR" altLang="en-US" sz="1400" dirty="0"/>
-                    </a:p>
-                  </a:txBody>
-                  <a:tcPr/>
-                </a:tc>
-                <a:tc>
-                  <a:txBody>
-                    <a:bodyPr/>
-                    <a:lstStyle/>
-                    <a:p>
-                      <a:pPr latinLnBrk="1"/>
-                      <a:r>
-                        <a:rPr lang="en-US" altLang="ko-KR" sz="1400" dirty="0" smtClean="0"/>
-                        <a:t>12</a:t>
-                      </a:r>
-                      <a:r>
-                        <a:rPr lang="ko-KR" altLang="en-US" sz="1400" dirty="0" smtClean="0"/>
-                        <a:t>세 이상 사용가능</a:t>
-                      </a:r>
-                      <a:endParaRPr lang="ko-KR" altLang="en-US" sz="1400" dirty="0"/>
-                    </a:p>
-                  </a:txBody>
-                  <a:tcPr/>
-                </a:tc>
-                <a:tc>
-                  <a:txBody>
-                    <a:bodyPr/>
-                    <a:lstStyle/>
-                    <a:p>
-                      <a:pPr latinLnBrk="1"/>
-                      <a:r>
-                        <a:rPr lang="ko-KR" altLang="en-US" sz="1400" dirty="0" smtClean="0"/>
-                        <a:t>상</a:t>
-                      </a:r>
-                      <a:endParaRPr lang="ko-KR" altLang="en-US" sz="1400" dirty="0"/>
-                    </a:p>
-                  </a:txBody>
-                  <a:tcPr/>
-                </a:tc>
-                <a:tc>
-                  <a:txBody>
-                    <a:bodyPr/>
-                    <a:lstStyle/>
-                    <a:p>
-                      <a:pPr latinLnBrk="1"/>
-                      <a:endParaRPr lang="ko-KR" altLang="en-US" sz="1400" dirty="0"/>
-                    </a:p>
-                  </a:txBody>
-                  <a:tcPr/>
-                </a:tc>
+                <a:extLst>
+                  <a:ext uri="{0D108BD9-81ED-4DB2-BD59-A6C34878D82A}">
+                    <a16:rowId xmlns:a16="http://schemas.microsoft.com/office/drawing/2014/main" val="10002"/>
+                  </a:ext>
+                </a:extLst>
               </a:tr>
               <a:tr h="370840">
                 <a:tc>
@@ -5171,7 +5177,7 @@
                     <a:p>
                       <a:pPr latinLnBrk="1"/>
                       <a:r>
-                        <a:rPr lang="en-US" altLang="ko-KR" sz="1400" dirty="0" smtClean="0"/>
+                        <a:rPr lang="en-US" altLang="ko-KR" sz="1400" dirty="0"/>
                         <a:t>B3</a:t>
                       </a:r>
                       <a:endParaRPr lang="ko-KR" altLang="en-US" sz="1400" dirty="0"/>
@@ -5186,74 +5192,79 @@
                     <a:p>
                       <a:pPr latinLnBrk="1"/>
                       <a:r>
-                        <a:rPr lang="ko-KR" altLang="en-US" sz="1400" dirty="0" err="1" smtClean="0"/>
-                        <a:t>사용성</a:t>
-                      </a:r>
-                      <a:r>
-                        <a:rPr lang="ko-KR" altLang="en-US" sz="1400" dirty="0" smtClean="0"/>
-                        <a:t> 요구사항</a:t>
-                      </a:r>
+                        <a:rPr lang="ko-KR" altLang="en-US" sz="1400" dirty="0"/>
+                        <a:t>성능 요구사항</a:t>
+                      </a:r>
+                    </a:p>
+                  </a:txBody>
+                  <a:tcPr/>
+                </a:tc>
+                <a:tc>
+                  <a:txBody>
+                    <a:bodyPr/>
+                    <a:lstStyle/>
+                    <a:p>
+                      <a:pPr latinLnBrk="1"/>
+                      <a:r>
+                        <a:rPr lang="ko-KR" altLang="en-US" sz="1400" dirty="0"/>
+                        <a:t>실행시간</a:t>
+                      </a:r>
+                    </a:p>
+                  </a:txBody>
+                  <a:tcPr/>
+                </a:tc>
+                <a:tc>
+                  <a:txBody>
+                    <a:bodyPr/>
+                    <a:lstStyle/>
+                    <a:p>
+                      <a:pPr latinLnBrk="1"/>
+                      <a:r>
+                        <a:rPr lang="ko-KR" altLang="en-US" sz="1400" dirty="0"/>
+                        <a:t>최초실행시간은 </a:t>
+                      </a:r>
+                      <a:r>
+                        <a:rPr lang="en-US" altLang="ko-KR" sz="1400" dirty="0"/>
+                        <a:t>1</a:t>
+                      </a:r>
+                      <a:r>
+                        <a:rPr lang="ko-KR" altLang="en-US" sz="1400" dirty="0"/>
+                        <a:t>분 이내</a:t>
+                      </a:r>
+                    </a:p>
+                  </a:txBody>
+                  <a:tcPr/>
+                </a:tc>
+                <a:tc>
+                  <a:txBody>
+                    <a:bodyPr/>
+                    <a:lstStyle/>
+                    <a:p>
+                      <a:pPr latinLnBrk="1"/>
+                      <a:r>
+                        <a:rPr lang="ko-KR" altLang="en-US" sz="1400" dirty="0"/>
+                        <a:t>상</a:t>
+                      </a:r>
+                    </a:p>
+                  </a:txBody>
+                  <a:tcPr/>
+                </a:tc>
+                <a:tc>
+                  <a:txBody>
+                    <a:bodyPr/>
+                    <a:lstStyle/>
+                    <a:p>
+                      <a:pPr latinLnBrk="1"/>
                       <a:endParaRPr lang="ko-KR" altLang="en-US" sz="1400" dirty="0"/>
                     </a:p>
                   </a:txBody>
                   <a:tcPr/>
                 </a:tc>
-                <a:tc>
-                  <a:txBody>
-                    <a:bodyPr/>
-                    <a:lstStyle/>
-                    <a:p>
-                      <a:pPr latinLnBrk="1"/>
-                      <a:r>
-                        <a:rPr lang="ko-KR" altLang="en-US" sz="1400" dirty="0" smtClean="0"/>
-                        <a:t>국어지원</a:t>
-                      </a:r>
-                      <a:endParaRPr lang="ko-KR" altLang="en-US" sz="1400" dirty="0"/>
-                    </a:p>
-                  </a:txBody>
-                  <a:tcPr/>
-                </a:tc>
-                <a:tc>
-                  <a:txBody>
-                    <a:bodyPr/>
-                    <a:lstStyle/>
-                    <a:p>
-                      <a:pPr latinLnBrk="1"/>
-                      <a:r>
-                        <a:rPr lang="ko-KR" altLang="en-US" sz="1400" dirty="0" smtClean="0"/>
-                        <a:t>한국어 및 영어 지원</a:t>
-                      </a:r>
-                      <a:endParaRPr lang="ko-KR" altLang="en-US" sz="1400" dirty="0"/>
-                    </a:p>
-                  </a:txBody>
-                  <a:tcPr/>
-                </a:tc>
-                <a:tc>
-                  <a:txBody>
-                    <a:bodyPr/>
-                    <a:lstStyle/>
-                    <a:p>
-                      <a:pPr latinLnBrk="1"/>
-                      <a:r>
-                        <a:rPr lang="ko-KR" altLang="en-US" sz="1400" dirty="0" smtClean="0"/>
-                        <a:t>상</a:t>
-                      </a:r>
-                      <a:endParaRPr lang="ko-KR" altLang="en-US" sz="1400" dirty="0"/>
-                    </a:p>
-                  </a:txBody>
-                  <a:tcPr/>
-                </a:tc>
-                <a:tc>
-                  <a:txBody>
-                    <a:bodyPr/>
-                    <a:lstStyle/>
-                    <a:p>
-                      <a:pPr latinLnBrk="1"/>
-                      <a:endParaRPr lang="ko-KR" altLang="en-US" sz="1400" dirty="0"/>
-                    </a:p>
-                  </a:txBody>
-                  <a:tcPr/>
-                </a:tc>
+                <a:extLst>
+                  <a:ext uri="{0D108BD9-81ED-4DB2-BD59-A6C34878D82A}">
+                    <a16:rowId xmlns:a16="http://schemas.microsoft.com/office/drawing/2014/main" val="10003"/>
+                  </a:ext>
+                </a:extLst>
               </a:tr>
               <a:tr h="370840">
                 <a:tc>
@@ -5261,95 +5272,67 @@
                     <a:bodyPr/>
                     <a:lstStyle/>
                     <a:p>
-                      <a:pPr latinLnBrk="1"/>
-                      <a:r>
-                        <a:rPr lang="en-US" altLang="ko-KR" sz="1400" dirty="0" smtClean="0"/>
-                        <a:t>B4</a:t>
-                      </a:r>
+                      <a:endParaRPr lang="ko-KR" altLang="en-US"/>
+                    </a:p>
+                  </a:txBody>
+                  <a:tcPr/>
+                </a:tc>
+                <a:tc>
+                  <a:txBody>
+                    <a:bodyPr/>
+                    <a:lstStyle/>
+                    <a:p>
+                      <a:endParaRPr lang="ko-KR" altLang="en-US"/>
+                    </a:p>
+                  </a:txBody>
+                  <a:tcPr/>
+                </a:tc>
+                <a:tc>
+                  <a:txBody>
+                    <a:bodyPr/>
+                    <a:lstStyle/>
+                    <a:p>
+                      <a:endParaRPr lang="ko-KR" altLang="en-US"/>
+                    </a:p>
+                  </a:txBody>
+                  <a:tcPr/>
+                </a:tc>
+                <a:tc>
+                  <a:txBody>
+                    <a:bodyPr/>
+                    <a:lstStyle/>
+                    <a:p>
+                      <a:endParaRPr lang="ko-KR" altLang="en-US" dirty="0"/>
+                    </a:p>
+                  </a:txBody>
+                  <a:tcPr/>
+                </a:tc>
+                <a:tc>
+                  <a:txBody>
+                    <a:bodyPr/>
+                    <a:lstStyle/>
+                    <a:p>
+                      <a:endParaRPr lang="ko-KR" altLang="en-US" dirty="0"/>
+                    </a:p>
+                  </a:txBody>
+                  <a:tcPr/>
+                </a:tc>
+                <a:tc>
+                  <a:txBody>
+                    <a:bodyPr/>
+                    <a:lstStyle/>
+                    <a:p>
+                      <a:pPr latinLnBrk="1"/>
                       <a:endParaRPr lang="ko-KR" altLang="en-US" sz="1400" dirty="0"/>
                     </a:p>
                   </a:txBody>
                   <a:tcPr/>
                 </a:tc>
-                <a:tc>
-                  <a:txBody>
-                    <a:bodyPr/>
-                    <a:lstStyle/>
-                    <a:p>
-                      <a:pPr latinLnBrk="1"/>
-                      <a:r>
-                        <a:rPr lang="ko-KR" altLang="en-US" sz="1400" dirty="0" smtClean="0"/>
-                        <a:t>성능 요구사항</a:t>
-                      </a:r>
-                      <a:endParaRPr lang="ko-KR" altLang="en-US" sz="1400" dirty="0"/>
-                    </a:p>
-                  </a:txBody>
-                  <a:tcPr/>
-                </a:tc>
-                <a:tc>
-                  <a:txBody>
-                    <a:bodyPr/>
-                    <a:lstStyle/>
-                    <a:p>
-                      <a:pPr latinLnBrk="1"/>
-                      <a:r>
-                        <a:rPr lang="ko-KR" altLang="en-US" sz="1400" dirty="0" smtClean="0"/>
-                        <a:t>실행시간</a:t>
-                      </a:r>
-                      <a:endParaRPr lang="ko-KR" altLang="en-US" sz="1400" dirty="0"/>
-                    </a:p>
-                  </a:txBody>
-                  <a:tcPr/>
-                </a:tc>
-                <a:tc>
-                  <a:txBody>
-                    <a:bodyPr/>
-                    <a:lstStyle/>
-                    <a:p>
-                      <a:pPr latinLnBrk="1"/>
-                      <a:r>
-                        <a:rPr lang="ko-KR" altLang="en-US" sz="1400" dirty="0" smtClean="0"/>
-                        <a:t>최초실행시간은 </a:t>
-                      </a:r>
-                      <a:r>
-                        <a:rPr lang="en-US" altLang="ko-KR" sz="1400" dirty="0" smtClean="0"/>
-                        <a:t>1</a:t>
-                      </a:r>
-                      <a:r>
-                        <a:rPr lang="ko-KR" altLang="en-US" sz="1400" dirty="0" smtClean="0"/>
-                        <a:t>분 이내</a:t>
-                      </a:r>
-                      <a:endParaRPr lang="ko-KR" altLang="en-US" sz="1400" dirty="0"/>
-                    </a:p>
-                  </a:txBody>
-                  <a:tcPr/>
-                </a:tc>
-                <a:tc>
-                  <a:txBody>
-                    <a:bodyPr/>
-                    <a:lstStyle/>
-                    <a:p>
-                      <a:pPr latinLnBrk="1"/>
-                      <a:r>
-                        <a:rPr lang="ko-KR" altLang="en-US" sz="1400" dirty="0" smtClean="0"/>
-                        <a:t>상</a:t>
-                      </a:r>
-                      <a:endParaRPr lang="ko-KR" altLang="en-US" sz="1400" dirty="0"/>
-                    </a:p>
-                  </a:txBody>
-                  <a:tcPr/>
-                </a:tc>
-                <a:tc>
-                  <a:txBody>
-                    <a:bodyPr/>
-                    <a:lstStyle/>
-                    <a:p>
-                      <a:pPr latinLnBrk="1"/>
-                      <a:endParaRPr lang="ko-KR" altLang="en-US" sz="1400" dirty="0"/>
-                    </a:p>
-                  </a:txBody>
-                  <a:tcPr/>
-                </a:tc>
+                <a:extLst>
+                  <a:ext uri="{0D108BD9-81ED-4DB2-BD59-A6C34878D82A}">
+                    <a16:rowId xmlns:a16="http://schemas.microsoft.com/office/drawing/2014/main" val="10004"/>
+                  </a:ext>
+                </a:extLst>
               </a:tr>
               <a:tr h="262632">
                 <a:tc>
@@ -5418,6 +5401,11 @@
                   </a:txBody>
                   <a:tcPr/>
                 </a:tc>
+                <a:extLst>
+                  <a:ext uri="{0D108BD9-81ED-4DB2-BD59-A6C34878D82A}">
+                    <a16:rowId xmlns:a16="http://schemas.microsoft.com/office/drawing/2014/main" val="10005"/>
+                  </a:ext>
+                </a:extLst>
               </a:tr>
               <a:tr h="262632">
                 <a:tc>
@@ -5546,6 +5534,11 @@
                     </a:lnB>
                   </a:tcPr>
                 </a:tc>
+                <a:extLst>
+                  <a:ext uri="{0D108BD9-81ED-4DB2-BD59-A6C34878D82A}">
+                    <a16:rowId xmlns:a16="http://schemas.microsoft.com/office/drawing/2014/main" val="10006"/>
+                  </a:ext>
+                </a:extLst>
               </a:tr>
             </a:tbl>
           </a:graphicData>
@@ -5604,12 +5597,8 @@
           <a:lstStyle/>
           <a:p>
             <a:r>
-              <a:rPr lang="ko-KR" altLang="en-US" sz="3600" dirty="0" smtClean="0"/>
-              <a:t>제약사</a:t>
-            </a:r>
-            <a:r>
               <a:rPr lang="ko-KR" altLang="en-US" sz="3600" dirty="0"/>
-              <a:t>항</a:t>
+              <a:t>제약사항</a:t>
             </a:r>
           </a:p>
         </p:txBody>
@@ -5624,14 +5613,14 @@
             <p:ph idx="1"/>
             <p:extLst>
               <p:ext uri="{D42A27DB-BD31-4B8C-83A1-F6EECF244321}">
-                <p14:modId xmlns:p14="http://schemas.microsoft.com/office/powerpoint/2010/main" val="524082431"/>
+                <p14:modId xmlns:p14="http://schemas.microsoft.com/office/powerpoint/2010/main" val="1013851862"/>
               </p:ext>
             </p:extLst>
           </p:nvPr>
         </p:nvGraphicFramePr>
         <p:xfrm>
           <a:off x="539552" y="1268760"/>
-          <a:ext cx="8229600" cy="2870200"/>
+          <a:ext cx="8229600" cy="1407160"/>
         </p:xfrm>
         <a:graphic>
           <a:graphicData uri="http://schemas.openxmlformats.org/drawingml/2006/table">
@@ -5640,12 +5629,48 @@
                 <a:tableStyleId>{5C22544A-7EE6-4342-B048-85BDC9FD1C3A}</a:tableStyleId>
               </a:tblPr>
               <a:tblGrid>
-                <a:gridCol w="1371600"/>
-                <a:gridCol w="1591072"/>
-                <a:gridCol w="1224136"/>
-                <a:gridCol w="1872208"/>
-                <a:gridCol w="1152128"/>
-                <a:gridCol w="1018456"/>
+                <a:gridCol w="1371600">
+                  <a:extLst>
+                    <a:ext uri="{9D8B030D-6E8A-4147-A177-3AD203B41FA5}">
+                      <a16:colId xmlns:a16="http://schemas.microsoft.com/office/drawing/2014/main" val="20000"/>
+                    </a:ext>
+                  </a:extLst>
+                </a:gridCol>
+                <a:gridCol w="1591072">
+                  <a:extLst>
+                    <a:ext uri="{9D8B030D-6E8A-4147-A177-3AD203B41FA5}">
+                      <a16:colId xmlns:a16="http://schemas.microsoft.com/office/drawing/2014/main" val="20001"/>
+                    </a:ext>
+                  </a:extLst>
+                </a:gridCol>
+                <a:gridCol w="1224136">
+                  <a:extLst>
+                    <a:ext uri="{9D8B030D-6E8A-4147-A177-3AD203B41FA5}">
+                      <a16:colId xmlns:a16="http://schemas.microsoft.com/office/drawing/2014/main" val="20002"/>
+                    </a:ext>
+                  </a:extLst>
+                </a:gridCol>
+                <a:gridCol w="1872208">
+                  <a:extLst>
+                    <a:ext uri="{9D8B030D-6E8A-4147-A177-3AD203B41FA5}">
+                      <a16:colId xmlns:a16="http://schemas.microsoft.com/office/drawing/2014/main" val="20003"/>
+                    </a:ext>
+                  </a:extLst>
+                </a:gridCol>
+                <a:gridCol w="1152128">
+                  <a:extLst>
+                    <a:ext uri="{9D8B030D-6E8A-4147-A177-3AD203B41FA5}">
+                      <a16:colId xmlns:a16="http://schemas.microsoft.com/office/drawing/2014/main" val="20004"/>
+                    </a:ext>
+                  </a:extLst>
+                </a:gridCol>
+                <a:gridCol w="1018456">
+                  <a:extLst>
+                    <a:ext uri="{9D8B030D-6E8A-4147-A177-3AD203B41FA5}">
+                      <a16:colId xmlns:a16="http://schemas.microsoft.com/office/drawing/2014/main" val="20005"/>
+                    </a:ext>
+                  </a:extLst>
+                </a:gridCol>
               </a:tblGrid>
               <a:tr h="370840">
                 <a:tc>
@@ -5655,7 +5680,7 @@
                     <a:p>
                       <a:pPr latinLnBrk="1"/>
                       <a:r>
-                        <a:rPr lang="en-US" altLang="ko-KR" dirty="0" smtClean="0"/>
+                        <a:rPr lang="en-US" altLang="ko-KR" dirty="0"/>
                         <a:t>ID</a:t>
                       </a:r>
                       <a:endParaRPr lang="ko-KR" altLang="en-US" dirty="0"/>
@@ -5670,74 +5695,75 @@
                     <a:p>
                       <a:pPr latinLnBrk="1"/>
                       <a:r>
-                        <a:rPr lang="ko-KR" altLang="en-US" dirty="0" smtClean="0"/>
+                        <a:rPr lang="ko-KR" altLang="en-US" dirty="0"/>
                         <a:t>구분</a:t>
                       </a:r>
-                      <a:endParaRPr lang="ko-KR" altLang="en-US" dirty="0"/>
-                    </a:p>
-                  </a:txBody>
-                  <a:tcPr/>
-                </a:tc>
-                <a:tc>
-                  <a:txBody>
-                    <a:bodyPr/>
-                    <a:lstStyle/>
-                    <a:p>
-                      <a:pPr latinLnBrk="1"/>
-                      <a:r>
-                        <a:rPr lang="ko-KR" altLang="en-US" dirty="0" smtClean="0"/>
+                    </a:p>
+                  </a:txBody>
+                  <a:tcPr/>
+                </a:tc>
+                <a:tc>
+                  <a:txBody>
+                    <a:bodyPr/>
+                    <a:lstStyle/>
+                    <a:p>
+                      <a:pPr latinLnBrk="1"/>
+                      <a:r>
+                        <a:rPr lang="ko-KR" altLang="en-US" dirty="0"/>
                         <a:t>기능이름</a:t>
                       </a:r>
-                      <a:endParaRPr lang="en-US" altLang="ko-KR" dirty="0" smtClean="0"/>
-                    </a:p>
-                  </a:txBody>
-                  <a:tcPr/>
-                </a:tc>
-                <a:tc>
-                  <a:txBody>
-                    <a:bodyPr/>
-                    <a:lstStyle/>
-                    <a:p>
-                      <a:pPr latinLnBrk="1"/>
-                      <a:r>
-                        <a:rPr lang="ko-KR" altLang="en-US" dirty="0" smtClean="0"/>
+                      <a:endParaRPr lang="en-US" altLang="ko-KR" dirty="0"/>
+                    </a:p>
+                  </a:txBody>
+                  <a:tcPr/>
+                </a:tc>
+                <a:tc>
+                  <a:txBody>
+                    <a:bodyPr/>
+                    <a:lstStyle/>
+                    <a:p>
+                      <a:pPr latinLnBrk="1"/>
+                      <a:r>
+                        <a:rPr lang="ko-KR" altLang="en-US" dirty="0"/>
                         <a:t>기능설명</a:t>
                       </a:r>
-                      <a:endParaRPr lang="ko-KR" altLang="en-US" dirty="0"/>
-                    </a:p>
-                  </a:txBody>
-                  <a:tcPr/>
-                </a:tc>
-                <a:tc>
-                  <a:txBody>
-                    <a:bodyPr/>
-                    <a:lstStyle/>
-                    <a:p>
-                      <a:pPr latinLnBrk="1"/>
-                      <a:r>
-                        <a:rPr lang="ko-KR" altLang="en-US" dirty="0" smtClean="0"/>
+                    </a:p>
+                  </a:txBody>
+                  <a:tcPr/>
+                </a:tc>
+                <a:tc>
+                  <a:txBody>
+                    <a:bodyPr/>
+                    <a:lstStyle/>
+                    <a:p>
+                      <a:pPr latinLnBrk="1"/>
+                      <a:r>
+                        <a:rPr lang="ko-KR" altLang="en-US" dirty="0"/>
                         <a:t>우선순위</a:t>
                       </a:r>
-                      <a:endParaRPr lang="ko-KR" altLang="en-US" dirty="0"/>
-                    </a:p>
-                  </a:txBody>
-                  <a:tcPr/>
-                </a:tc>
-                <a:tc>
-                  <a:txBody>
-                    <a:bodyPr/>
-                    <a:lstStyle/>
-                    <a:p>
-                      <a:pPr latinLnBrk="1"/>
-                      <a:r>
-                        <a:rPr lang="ko-KR" altLang="en-US" dirty="0" smtClean="0"/>
+                    </a:p>
+                  </a:txBody>
+                  <a:tcPr/>
+                </a:tc>
+                <a:tc>
+                  <a:txBody>
+                    <a:bodyPr/>
+                    <a:lstStyle/>
+                    <a:p>
+                      <a:pPr latinLnBrk="1"/>
+                      <a:r>
+                        <a:rPr lang="ko-KR" altLang="en-US" dirty="0"/>
                         <a:t>비고</a:t>
                       </a:r>
-                      <a:endParaRPr lang="ko-KR" altLang="en-US" dirty="0"/>
-                    </a:p>
-                  </a:txBody>
-                  <a:tcPr/>
-                </a:tc>
+                    </a:p>
+                  </a:txBody>
+                  <a:tcPr/>
+                </a:tc>
+                <a:extLst>
+                  <a:ext uri="{0D108BD9-81ED-4DB2-BD59-A6C34878D82A}">
+                    <a16:rowId xmlns:a16="http://schemas.microsoft.com/office/drawing/2014/main" val="10000"/>
+                  </a:ext>
+                </a:extLst>
               </a:tr>
               <a:tr h="370840">
                 <a:tc>
@@ -5747,7 +5773,7 @@
                     <a:p>
                       <a:pPr latinLnBrk="1"/>
                       <a:r>
-                        <a:rPr lang="en-US" altLang="ko-KR" sz="1400" dirty="0" smtClean="0"/>
+                        <a:rPr lang="en-US" altLang="ko-KR" sz="1400" dirty="0"/>
                         <a:t>C1</a:t>
                       </a:r>
                       <a:endParaRPr lang="ko-KR" altLang="en-US" sz="1400" dirty="0"/>
@@ -5762,82 +5788,83 @@
                     <a:p>
                       <a:pPr latinLnBrk="1"/>
                       <a:r>
-                        <a:rPr lang="en-US" altLang="ko-KR" sz="1400" dirty="0" smtClean="0"/>
+                        <a:rPr lang="en-US" altLang="ko-KR" sz="1400" dirty="0"/>
                         <a:t>ID </a:t>
                       </a:r>
                       <a:r>
-                        <a:rPr lang="ko-KR" altLang="en-US" sz="1400" dirty="0" smtClean="0"/>
+                        <a:rPr lang="ko-KR" altLang="en-US" sz="1400" dirty="0"/>
                         <a:t>제약</a:t>
                       </a:r>
+                    </a:p>
+                  </a:txBody>
+                  <a:tcPr/>
+                </a:tc>
+                <a:tc>
+                  <a:txBody>
+                    <a:bodyPr/>
+                    <a:lstStyle/>
+                    <a:p>
+                      <a:pPr latinLnBrk="1"/>
+                      <a:r>
+                        <a:rPr lang="en-US" altLang="ko-KR" sz="1400" dirty="0"/>
+                        <a:t>ID</a:t>
+                      </a:r>
+                      <a:r>
+                        <a:rPr lang="ko-KR" altLang="en-US" sz="1400" dirty="0"/>
+                        <a:t>한글사용금지</a:t>
+                      </a:r>
+                    </a:p>
+                  </a:txBody>
+                  <a:tcPr/>
+                </a:tc>
+                <a:tc>
+                  <a:txBody>
+                    <a:bodyPr/>
+                    <a:lstStyle/>
+                    <a:p>
+                      <a:pPr latinLnBrk="1"/>
+                      <a:r>
+                        <a:rPr lang="en-US" altLang="ko-KR" sz="1400" dirty="0"/>
+                        <a:t>ID</a:t>
+                      </a:r>
+                      <a:r>
+                        <a:rPr lang="ko-KR" altLang="en-US" sz="1400" dirty="0"/>
+                        <a:t>에는 한글을 사용할 수 없다</a:t>
+                      </a:r>
+                    </a:p>
+                  </a:txBody>
+                  <a:tcPr/>
+                </a:tc>
+                <a:tc>
+                  <a:txBody>
+                    <a:bodyPr/>
+                    <a:lstStyle/>
+                    <a:p>
+                      <a:pPr latinLnBrk="1"/>
+                      <a:r>
+                        <a:rPr lang="ko-KR" altLang="en-US" sz="1400" dirty="0"/>
+                        <a:t>상</a:t>
+                      </a:r>
+                    </a:p>
+                  </a:txBody>
+                  <a:tcPr/>
+                </a:tc>
+                <a:tc>
+                  <a:txBody>
+                    <a:bodyPr/>
+                    <a:lstStyle/>
+                    <a:p>
+                      <a:pPr latinLnBrk="1"/>
                       <a:endParaRPr lang="ko-KR" altLang="en-US" sz="1400" dirty="0"/>
                     </a:p>
                   </a:txBody>
                   <a:tcPr/>
                 </a:tc>
-                <a:tc>
-                  <a:txBody>
-                    <a:bodyPr/>
-                    <a:lstStyle/>
-                    <a:p>
-                      <a:pPr latinLnBrk="1"/>
-                      <a:r>
-                        <a:rPr lang="en-US" altLang="ko-KR" sz="1400" dirty="0" smtClean="0"/>
-                        <a:t>ID</a:t>
-                      </a:r>
-                      <a:r>
-                        <a:rPr lang="ko-KR" altLang="en-US" sz="1400" dirty="0" smtClean="0"/>
-                        <a:t>한글사용금지</a:t>
-                      </a:r>
-                      <a:endParaRPr lang="ko-KR" altLang="en-US" sz="1400" dirty="0"/>
-                    </a:p>
-                  </a:txBody>
-                  <a:tcPr/>
-                </a:tc>
-                <a:tc>
-                  <a:txBody>
-                    <a:bodyPr/>
-                    <a:lstStyle/>
-                    <a:p>
-                      <a:pPr latinLnBrk="1"/>
-                      <a:r>
-                        <a:rPr lang="en-US" altLang="ko-KR" sz="1400" dirty="0" smtClean="0"/>
-                        <a:t>ID</a:t>
-                      </a:r>
-                      <a:r>
-                        <a:rPr lang="ko-KR" altLang="en-US" sz="1400" dirty="0" smtClean="0"/>
-                        <a:t>에는 한글을 사용할 수 없다</a:t>
-                      </a:r>
-                      <a:endParaRPr lang="ko-KR" altLang="en-US" sz="1400" dirty="0"/>
-                    </a:p>
-                  </a:txBody>
-                  <a:tcPr/>
-                </a:tc>
-                <a:tc>
-                  <a:txBody>
-                    <a:bodyPr/>
-                    <a:lstStyle/>
-                    <a:p>
-                      <a:pPr latinLnBrk="1"/>
-                      <a:r>
-                        <a:rPr lang="ko-KR" altLang="en-US" sz="1400" dirty="0" smtClean="0"/>
-                        <a:t>상</a:t>
-                      </a:r>
-                      <a:endParaRPr lang="ko-KR" altLang="en-US" sz="1400" dirty="0"/>
-                    </a:p>
-                  </a:txBody>
-                  <a:tcPr/>
-                </a:tc>
-                <a:tc>
-                  <a:txBody>
-                    <a:bodyPr/>
-                    <a:lstStyle/>
-                    <a:p>
-                      <a:pPr latinLnBrk="1"/>
-                      <a:endParaRPr lang="ko-KR" altLang="en-US" sz="1400" dirty="0"/>
-                    </a:p>
-                  </a:txBody>
-                  <a:tcPr/>
-                </a:tc>
+                <a:extLst>
+                  <a:ext uri="{0D108BD9-81ED-4DB2-BD59-A6C34878D82A}">
+                    <a16:rowId xmlns:a16="http://schemas.microsoft.com/office/drawing/2014/main" val="10001"/>
+                  </a:ext>
+                </a:extLst>
               </a:tr>
               <a:tr h="370840">
                 <a:tc>
@@ -5847,7 +5874,7 @@
                     <a:p>
                       <a:pPr latinLnBrk="1"/>
                       <a:r>
-                        <a:rPr lang="en-US" altLang="ko-KR" sz="1400" dirty="0" smtClean="0"/>
+                        <a:rPr lang="en-US" altLang="ko-KR" sz="1400" dirty="0"/>
                         <a:t>C2</a:t>
                       </a:r>
                       <a:endParaRPr lang="ko-KR" altLang="en-US" sz="1400" dirty="0"/>
@@ -5862,318 +5889,87 @@
                     <a:p>
                       <a:pPr latinLnBrk="1"/>
                       <a:r>
-                        <a:rPr lang="ko-KR" altLang="en-US" sz="1400" dirty="0" smtClean="0"/>
+                        <a:rPr lang="ko-KR" altLang="en-US" sz="1400" dirty="0"/>
                         <a:t>비밀번호 제약</a:t>
                       </a:r>
+                    </a:p>
+                  </a:txBody>
+                  <a:tcPr/>
+                </a:tc>
+                <a:tc>
+                  <a:txBody>
+                    <a:bodyPr/>
+                    <a:lstStyle/>
+                    <a:p>
+                      <a:pPr latinLnBrk="1"/>
+                      <a:r>
+                        <a:rPr lang="ko-KR" altLang="en-US" sz="1400" dirty="0"/>
+                        <a:t>비밀번호 제약</a:t>
+                      </a:r>
+                    </a:p>
+                  </a:txBody>
+                  <a:tcPr/>
+                </a:tc>
+                <a:tc>
+                  <a:txBody>
+                    <a:bodyPr/>
+                    <a:lstStyle/>
+                    <a:p>
+                      <a:pPr latinLnBrk="1"/>
+                      <a:r>
+                        <a:rPr lang="ko-KR" altLang="en-US" sz="1400" dirty="0"/>
+                        <a:t>비밀번호는 영어 </a:t>
+                      </a:r>
+                      <a:r>
+                        <a:rPr lang="en-US" altLang="ko-KR" sz="1400" dirty="0"/>
+                        <a:t>8</a:t>
+                      </a:r>
+                      <a:r>
+                        <a:rPr lang="ko-KR" altLang="en-US" sz="1400" dirty="0"/>
+                        <a:t>글자 </a:t>
+                      </a:r>
+                      <a:r>
+                        <a:rPr lang="ko-KR" altLang="en-US" sz="1400" dirty="0" err="1"/>
+                        <a:t>이상이여야</a:t>
+                      </a:r>
+                      <a:r>
+                        <a:rPr lang="ko-KR" altLang="en-US" sz="1400" dirty="0"/>
+                        <a:t> 한다</a:t>
+                      </a:r>
+                    </a:p>
+                  </a:txBody>
+                  <a:tcPr/>
+                </a:tc>
+                <a:tc>
+                  <a:txBody>
+                    <a:bodyPr/>
+                    <a:lstStyle/>
+                    <a:p>
+                      <a:pPr latinLnBrk="1"/>
+                      <a:r>
+                        <a:rPr lang="ko-KR" altLang="en-US" sz="1400" dirty="0"/>
+                        <a:t>상</a:t>
+                      </a:r>
+                    </a:p>
+                  </a:txBody>
+                  <a:tcPr/>
+                </a:tc>
+                <a:tc>
+                  <a:txBody>
+                    <a:bodyPr/>
+                    <a:lstStyle/>
+                    <a:p>
+                      <a:pPr latinLnBrk="1"/>
                       <a:endParaRPr lang="ko-KR" altLang="en-US" sz="1400" dirty="0"/>
                     </a:p>
                   </a:txBody>
                   <a:tcPr/>
                 </a:tc>
-                <a:tc>
-                  <a:txBody>
-                    <a:bodyPr/>
-                    <a:lstStyle/>
-                    <a:p>
-                      <a:pPr latinLnBrk="1"/>
-                      <a:r>
-                        <a:rPr lang="ko-KR" altLang="en-US" sz="1400" dirty="0" smtClean="0"/>
-                        <a:t>비밀번호 제약</a:t>
-                      </a:r>
-                      <a:endParaRPr lang="ko-KR" altLang="en-US" sz="1400" dirty="0"/>
-                    </a:p>
-                  </a:txBody>
-                  <a:tcPr/>
-                </a:tc>
-                <a:tc>
-                  <a:txBody>
-                    <a:bodyPr/>
-                    <a:lstStyle/>
-                    <a:p>
-                      <a:pPr latinLnBrk="1"/>
-                      <a:r>
-                        <a:rPr lang="ko-KR" altLang="en-US" sz="1400" dirty="0" smtClean="0"/>
-                        <a:t>비밀번호는 영어</a:t>
-                      </a:r>
-                      <a:r>
-                        <a:rPr lang="en-US" altLang="ko-KR" sz="1400" dirty="0" smtClean="0"/>
-                        <a:t>+</a:t>
-                      </a:r>
-                      <a:r>
-                        <a:rPr lang="ko-KR" altLang="en-US" sz="1400" dirty="0" smtClean="0"/>
-                        <a:t>특수문자로 </a:t>
-                      </a:r>
-                      <a:r>
-                        <a:rPr lang="en-US" altLang="ko-KR" sz="1400" dirty="0" smtClean="0"/>
-                        <a:t>8</a:t>
-                      </a:r>
-                      <a:r>
-                        <a:rPr lang="ko-KR" altLang="en-US" sz="1400" dirty="0" smtClean="0"/>
-                        <a:t>글자 </a:t>
-                      </a:r>
-                      <a:r>
-                        <a:rPr lang="ko-KR" altLang="en-US" sz="1400" dirty="0" err="1" smtClean="0"/>
-                        <a:t>이상이여야</a:t>
-                      </a:r>
-                      <a:r>
-                        <a:rPr lang="ko-KR" altLang="en-US" sz="1400" dirty="0" smtClean="0"/>
-                        <a:t> 한다</a:t>
-                      </a:r>
-                      <a:endParaRPr lang="ko-KR" altLang="en-US" sz="1400" dirty="0"/>
-                    </a:p>
-                  </a:txBody>
-                  <a:tcPr/>
-                </a:tc>
-                <a:tc>
-                  <a:txBody>
-                    <a:bodyPr/>
-                    <a:lstStyle/>
-                    <a:p>
-                      <a:pPr latinLnBrk="1"/>
-                      <a:r>
-                        <a:rPr lang="ko-KR" altLang="en-US" sz="1400" dirty="0" smtClean="0"/>
-                        <a:t>상</a:t>
-                      </a:r>
-                      <a:endParaRPr lang="ko-KR" altLang="en-US" sz="1400" dirty="0"/>
-                    </a:p>
-                  </a:txBody>
-                  <a:tcPr/>
-                </a:tc>
-                <a:tc>
-                  <a:txBody>
-                    <a:bodyPr/>
-                    <a:lstStyle/>
-                    <a:p>
-                      <a:pPr latinLnBrk="1"/>
-                      <a:endParaRPr lang="ko-KR" altLang="en-US" sz="1400" dirty="0"/>
-                    </a:p>
-                  </a:txBody>
-                  <a:tcPr/>
-                </a:tc>
-              </a:tr>
-              <a:tr h="370840">
-                <a:tc>
-                  <a:txBody>
-                    <a:bodyPr/>
-                    <a:lstStyle/>
-                    <a:p>
-                      <a:pPr latinLnBrk="1"/>
-                      <a:r>
-                        <a:rPr lang="en-US" altLang="ko-KR" sz="1400" dirty="0" smtClean="0"/>
-                        <a:t>C3</a:t>
-                      </a:r>
-                      <a:endParaRPr lang="ko-KR" altLang="en-US" sz="1400" dirty="0"/>
-                    </a:p>
-                  </a:txBody>
-                  <a:tcPr/>
-                </a:tc>
-                <a:tc>
-                  <a:txBody>
-                    <a:bodyPr/>
-                    <a:lstStyle/>
-                    <a:p>
-                      <a:pPr latinLnBrk="1"/>
-                      <a:r>
-                        <a:rPr lang="ko-KR" altLang="en-US" sz="1400" dirty="0" smtClean="0"/>
-                        <a:t>공유 제약</a:t>
-                      </a:r>
-                      <a:endParaRPr lang="ko-KR" altLang="en-US" sz="1400" dirty="0"/>
-                    </a:p>
-                  </a:txBody>
-                  <a:tcPr/>
-                </a:tc>
-                <a:tc>
-                  <a:txBody>
-                    <a:bodyPr/>
-                    <a:lstStyle/>
-                    <a:p>
-                      <a:pPr latinLnBrk="1"/>
-                      <a:r>
-                        <a:rPr lang="en-US" altLang="ko-KR" sz="1400" dirty="0" smtClean="0"/>
-                        <a:t>1Day </a:t>
-                      </a:r>
-                      <a:r>
-                        <a:rPr lang="ko-KR" altLang="en-US" sz="1400" dirty="0" smtClean="0"/>
-                        <a:t>공유 </a:t>
-                      </a:r>
-                      <a:r>
-                        <a:rPr lang="en-US" altLang="ko-KR" sz="1400" dirty="0" smtClean="0"/>
-                        <a:t>5</a:t>
-                      </a:r>
-                      <a:r>
-                        <a:rPr lang="ko-KR" altLang="en-US" sz="1400" dirty="0" smtClean="0"/>
-                        <a:t>번</a:t>
-                      </a:r>
-                      <a:endParaRPr lang="ko-KR" altLang="en-US" sz="1400" dirty="0"/>
-                    </a:p>
-                  </a:txBody>
-                  <a:tcPr/>
-                </a:tc>
-                <a:tc>
-                  <a:txBody>
-                    <a:bodyPr/>
-                    <a:lstStyle/>
-                    <a:p>
-                      <a:pPr latinLnBrk="1"/>
-                      <a:r>
-                        <a:rPr lang="ko-KR" altLang="en-US" sz="1400" dirty="0" smtClean="0"/>
-                        <a:t>공유기능은 하루에 </a:t>
-                      </a:r>
-                      <a:r>
-                        <a:rPr lang="en-US" altLang="ko-KR" sz="1400" dirty="0" smtClean="0"/>
-                        <a:t>5</a:t>
-                      </a:r>
-                      <a:r>
-                        <a:rPr lang="ko-KR" altLang="en-US" sz="1400" dirty="0" smtClean="0"/>
-                        <a:t>번 까지 </a:t>
-                      </a:r>
-                      <a:r>
-                        <a:rPr lang="ko-KR" altLang="en-US" sz="1400" dirty="0" err="1" smtClean="0"/>
-                        <a:t>사용가능하다</a:t>
-                      </a:r>
-                      <a:endParaRPr lang="ko-KR" altLang="en-US" sz="1400" dirty="0"/>
-                    </a:p>
-                  </a:txBody>
-                  <a:tcPr/>
-                </a:tc>
-                <a:tc>
-                  <a:txBody>
-                    <a:bodyPr/>
-                    <a:lstStyle/>
-                    <a:p>
-                      <a:pPr latinLnBrk="1"/>
-                      <a:r>
-                        <a:rPr lang="ko-KR" altLang="en-US" sz="1400" dirty="0" smtClean="0"/>
-                        <a:t>중</a:t>
-                      </a:r>
-                      <a:endParaRPr lang="ko-KR" altLang="en-US" sz="1400" dirty="0"/>
-                    </a:p>
-                  </a:txBody>
-                  <a:tcPr/>
-                </a:tc>
-                <a:tc>
-                  <a:txBody>
-                    <a:bodyPr/>
-                    <a:lstStyle/>
-                    <a:p>
-                      <a:pPr latinLnBrk="1"/>
-                      <a:endParaRPr lang="ko-KR" altLang="en-US" sz="1400" dirty="0"/>
-                    </a:p>
-                  </a:txBody>
-                  <a:tcPr/>
-                </a:tc>
-              </a:tr>
-              <a:tr h="370840">
-                <a:tc>
-                  <a:txBody>
-                    <a:bodyPr/>
-                    <a:lstStyle/>
-                    <a:p>
-                      <a:pPr latinLnBrk="1"/>
-                      <a:r>
-                        <a:rPr lang="en-US" altLang="ko-KR" sz="1400" dirty="0" smtClean="0"/>
-                        <a:t>C4</a:t>
-                      </a:r>
-                      <a:endParaRPr lang="ko-KR" altLang="en-US" sz="1400" dirty="0"/>
-                    </a:p>
-                  </a:txBody>
-                  <a:tcPr/>
-                </a:tc>
-                <a:tc>
-                  <a:txBody>
-                    <a:bodyPr/>
-                    <a:lstStyle/>
-                    <a:p>
-                      <a:pPr latinLnBrk="1"/>
-                      <a:r>
-                        <a:rPr lang="ko-KR" altLang="en-US" sz="1400" dirty="0" smtClean="0"/>
-                        <a:t>인증 제약</a:t>
-                      </a:r>
-                      <a:endParaRPr lang="ko-KR" altLang="en-US" sz="1400" dirty="0"/>
-                    </a:p>
-                  </a:txBody>
-                  <a:tcPr/>
-                </a:tc>
-                <a:tc>
-                  <a:txBody>
-                    <a:bodyPr/>
-                    <a:lstStyle/>
-                    <a:p>
-                      <a:pPr latinLnBrk="1"/>
-                      <a:r>
-                        <a:rPr lang="ko-KR" altLang="en-US" sz="1400" dirty="0" err="1" smtClean="0"/>
-                        <a:t>과인증오류</a:t>
-                      </a:r>
-                      <a:endParaRPr lang="ko-KR" altLang="en-US" sz="1400" dirty="0"/>
-                    </a:p>
-                  </a:txBody>
-                  <a:tcPr/>
-                </a:tc>
-                <a:tc>
-                  <a:txBody>
-                    <a:bodyPr/>
-                    <a:lstStyle/>
-                    <a:p>
-                      <a:pPr latinLnBrk="1"/>
-                      <a:r>
-                        <a:rPr lang="ko-KR" altLang="en-US" sz="1400" dirty="0" smtClean="0"/>
-                        <a:t>인증을 </a:t>
-                      </a:r>
-                      <a:r>
-                        <a:rPr lang="en-US" altLang="ko-KR" sz="1400" dirty="0" smtClean="0"/>
-                        <a:t>5</a:t>
-                      </a:r>
-                      <a:r>
-                        <a:rPr lang="ko-KR" altLang="en-US" sz="1400" dirty="0" err="1" smtClean="0"/>
-                        <a:t>번이상</a:t>
-                      </a:r>
-                      <a:r>
-                        <a:rPr lang="ko-KR" altLang="en-US" sz="1400" dirty="0" smtClean="0"/>
-                        <a:t> 틀리면 </a:t>
-                      </a:r>
-                      <a:r>
-                        <a:rPr lang="ko-KR" altLang="en-US" sz="1400" dirty="0" err="1" smtClean="0"/>
-                        <a:t>어플</a:t>
-                      </a:r>
-                      <a:r>
-                        <a:rPr lang="ko-KR" altLang="en-US" sz="1400" dirty="0" smtClean="0"/>
-                        <a:t> 중지한다</a:t>
-                      </a:r>
-                      <a:r>
-                        <a:rPr lang="en-US" altLang="ko-KR" sz="1400" dirty="0" smtClean="0"/>
-                        <a:t>.</a:t>
-                      </a:r>
-                      <a:endParaRPr lang="ko-KR" altLang="en-US" sz="1400" dirty="0"/>
-                    </a:p>
-                  </a:txBody>
-                  <a:tcPr/>
-                </a:tc>
-                <a:tc>
-                  <a:txBody>
-                    <a:bodyPr/>
-                    <a:lstStyle/>
-                    <a:p>
-                      <a:pPr latinLnBrk="1"/>
-                      <a:r>
-                        <a:rPr lang="ko-KR" altLang="en-US" sz="1400" dirty="0" smtClean="0"/>
-                        <a:t>중</a:t>
-                      </a:r>
-                      <a:endParaRPr lang="ko-KR" altLang="en-US" sz="1400" dirty="0"/>
-                    </a:p>
-                  </a:txBody>
-                  <a:tcPr/>
-                </a:tc>
-                <a:tc>
-                  <a:txBody>
-                    <a:bodyPr/>
-                    <a:lstStyle/>
-                    <a:p>
-                      <a:pPr latinLnBrk="1"/>
-                      <a:endParaRPr lang="ko-KR" altLang="en-US" sz="1400" dirty="0"/>
-                    </a:p>
-                  </a:txBody>
-                  <a:tcPr/>
-                </a:tc>
+                <a:extLst>
+                  <a:ext uri="{0D108BD9-81ED-4DB2-BD59-A6C34878D82A}">
+                    <a16:rowId xmlns:a16="http://schemas.microsoft.com/office/drawing/2014/main" val="10002"/>
+                  </a:ext>
+                </a:extLst>
               </a:tr>
             </a:tbl>
           </a:graphicData>
